--- a/十架犧牲的愛.pptx
+++ b/十架犧牲的愛.pptx
@@ -2,7 +2,7 @@
 <file path=ppt/presentation.xml><?xml version="1.0" encoding="utf-8"?>
 <p:presentation xmlns:a="http://schemas.openxmlformats.org/drawingml/2006/main" xmlns:r="http://schemas.openxmlformats.org/officeDocument/2006/relationships" xmlns:p="http://schemas.openxmlformats.org/presentationml/2006/main" saveSubsetFonts="1">
   <p:sldMasterIdLst>
-    <p:sldMasterId id="2147483648" r:id="rId1"/>
+    <p:sldMasterId id="2147483660" r:id="rId1"/>
   </p:sldMasterIdLst>
   <p:sldIdLst>
     <p:sldId id="257" r:id="rId2"/>
@@ -11,7 +11,7 @@
     <p:sldId id="260" r:id="rId5"/>
     <p:sldId id="261" r:id="rId6"/>
   </p:sldIdLst>
-  <p:sldSz cx="9144000" cy="6858000" type="screen4x3"/>
+  <p:sldSz cx="12192000" cy="6858000"/>
   <p:notesSz cx="6858000" cy="9144000"/>
   <p:defaultTextStyle>
     <a:defPPr>
@@ -108,6 +108,22 @@
       </a:defRPr>
     </a:lvl9pPr>
   </p:defaultTextStyle>
+  <p:extLst>
+    <p:ext uri="{EFAFB233-063F-42B5-8137-9DF3F51BA10A}">
+      <p15:sldGuideLst xmlns:p15="http://schemas.microsoft.com/office/powerpoint/2012/main">
+        <p15:guide id="1" orient="horz" pos="2160" userDrawn="1">
+          <p15:clr>
+            <a:srgbClr val="A4A3A4"/>
+          </p15:clr>
+        </p15:guide>
+        <p15:guide id="2" pos="3840" userDrawn="1">
+          <p15:clr>
+            <a:srgbClr val="A4A3A4"/>
+          </p15:clr>
+        </p15:guide>
+      </p15:sldGuideLst>
+    </p:ext>
+  </p:extLst>
 </p:presentation>
 </file>
 
@@ -140,8 +156,8 @@
         </p:nvSpPr>
         <p:spPr>
           <a:xfrm>
-            <a:off x="685800" y="2130425"/>
-            <a:ext cx="7772400" cy="1470025"/>
+            <a:off x="914400" y="2130426"/>
+            <a:ext cx="10363200" cy="1470025"/>
           </a:xfrm>
         </p:spPr>
         <p:txBody>
@@ -149,8 +165,8 @@
           <a:lstStyle/>
           <a:p>
             <a:r>
-              <a:rPr lang="zh-TW" altLang="en-US" smtClean="0"/>
-              <a:t>按一下以編輯母片標題樣式</a:t>
+              <a:rPr lang="en-US" altLang="zh-TW" smtClean="0"/>
+              <a:t>Click to edit Master title style</a:t>
             </a:r>
             <a:endParaRPr lang="zh-TW" altLang="en-US"/>
           </a:p>
@@ -168,8 +184,8 @@
         </p:nvSpPr>
         <p:spPr>
           <a:xfrm>
-            <a:off x="1371600" y="3886200"/>
-            <a:ext cx="6400800" cy="1752600"/>
+            <a:off x="1828800" y="3886200"/>
+            <a:ext cx="8534400" cy="1752600"/>
           </a:xfrm>
         </p:spPr>
         <p:txBody>
@@ -185,7 +201,7 @@
                 </a:solidFill>
               </a:defRPr>
             </a:lvl1pPr>
-            <a:lvl2pPr marL="457200" indent="0" algn="ctr">
+            <a:lvl2pPr marL="609585" indent="0" algn="ctr">
               <a:buNone/>
               <a:defRPr>
                 <a:solidFill>
@@ -195,7 +211,7 @@
                 </a:solidFill>
               </a:defRPr>
             </a:lvl2pPr>
-            <a:lvl3pPr marL="914400" indent="0" algn="ctr">
+            <a:lvl3pPr marL="1219170" indent="0" algn="ctr">
               <a:buNone/>
               <a:defRPr>
                 <a:solidFill>
@@ -205,7 +221,7 @@
                 </a:solidFill>
               </a:defRPr>
             </a:lvl3pPr>
-            <a:lvl4pPr marL="1371600" indent="0" algn="ctr">
+            <a:lvl4pPr marL="1828754" indent="0" algn="ctr">
               <a:buNone/>
               <a:defRPr>
                 <a:solidFill>
@@ -215,7 +231,7 @@
                 </a:solidFill>
               </a:defRPr>
             </a:lvl4pPr>
-            <a:lvl5pPr marL="1828800" indent="0" algn="ctr">
+            <a:lvl5pPr marL="2438339" indent="0" algn="ctr">
               <a:buNone/>
               <a:defRPr>
                 <a:solidFill>
@@ -225,7 +241,7 @@
                 </a:solidFill>
               </a:defRPr>
             </a:lvl5pPr>
-            <a:lvl6pPr marL="2286000" indent="0" algn="ctr">
+            <a:lvl6pPr marL="3047924" indent="0" algn="ctr">
               <a:buNone/>
               <a:defRPr>
                 <a:solidFill>
@@ -235,7 +251,7 @@
                 </a:solidFill>
               </a:defRPr>
             </a:lvl6pPr>
-            <a:lvl7pPr marL="2743200" indent="0" algn="ctr">
+            <a:lvl7pPr marL="3657509" indent="0" algn="ctr">
               <a:buNone/>
               <a:defRPr>
                 <a:solidFill>
@@ -245,7 +261,7 @@
                 </a:solidFill>
               </a:defRPr>
             </a:lvl7pPr>
-            <a:lvl8pPr marL="3200400" indent="0" algn="ctr">
+            <a:lvl8pPr marL="4267093" indent="0" algn="ctr">
               <a:buNone/>
               <a:defRPr>
                 <a:solidFill>
@@ -255,7 +271,7 @@
                 </a:solidFill>
               </a:defRPr>
             </a:lvl8pPr>
-            <a:lvl9pPr marL="3657600" indent="0" algn="ctr">
+            <a:lvl9pPr marL="4876678" indent="0" algn="ctr">
               <a:buNone/>
               <a:defRPr>
                 <a:solidFill>
@@ -268,8 +284,8 @@
           </a:lstStyle>
           <a:p>
             <a:r>
-              <a:rPr lang="zh-TW" altLang="en-US" smtClean="0"/>
-              <a:t>按一下以編輯母片副標題樣式</a:t>
+              <a:rPr lang="en-US" altLang="zh-TW" smtClean="0"/>
+              <a:t>Click to edit Master subtitle style</a:t>
             </a:r>
             <a:endParaRPr lang="zh-TW" altLang="en-US"/>
           </a:p>
@@ -292,7 +308,7 @@
           <a:p>
             <a:fld id="{748BF823-816E-4CE2-AAFF-78D1B56BB1CC}" type="datetimeFigureOut">
               <a:rPr lang="zh-TW" altLang="en-US" smtClean="0"/>
-              <a:t>2018/1/31</a:t>
+              <a:t>2020/3/28</a:t>
             </a:fld>
             <a:endParaRPr lang="zh-TW" altLang="en-US"/>
           </a:p>
@@ -341,6 +357,11 @@
         </p:txBody>
       </p:sp>
     </p:spTree>
+    <p:extLst>
+      <p:ext uri="{BB962C8B-B14F-4D97-AF65-F5344CB8AC3E}">
+        <p14:creationId xmlns:p14="http://schemas.microsoft.com/office/powerpoint/2010/main" val="1871651168"/>
+      </p:ext>
+    </p:extLst>
   </p:cSld>
   <p:clrMapOvr>
     <a:masterClrMapping/>
@@ -381,8 +402,8 @@
           <a:lstStyle/>
           <a:p>
             <a:r>
-              <a:rPr lang="zh-TW" altLang="en-US" smtClean="0"/>
-              <a:t>按一下以編輯母片標題樣式</a:t>
+              <a:rPr lang="en-US" altLang="zh-TW" smtClean="0"/>
+              <a:t>Click to edit Master title style</a:t>
             </a:r>
             <a:endParaRPr lang="zh-TW" altLang="en-US"/>
           </a:p>
@@ -405,36 +426,36 @@
           <a:p>
             <a:pPr lvl="0"/>
             <a:r>
-              <a:rPr lang="zh-TW" altLang="en-US" smtClean="0"/>
-              <a:t>按一下以編輯母片文字樣式</a:t>
+              <a:rPr lang="en-US" altLang="zh-TW" smtClean="0"/>
+              <a:t>Edit Master text styles</a:t>
             </a:r>
           </a:p>
           <a:p>
             <a:pPr lvl="1"/>
             <a:r>
-              <a:rPr lang="zh-TW" altLang="en-US" smtClean="0"/>
-              <a:t>第二層</a:t>
+              <a:rPr lang="en-US" altLang="zh-TW" smtClean="0"/>
+              <a:t>Second level</a:t>
             </a:r>
           </a:p>
           <a:p>
             <a:pPr lvl="2"/>
             <a:r>
-              <a:rPr lang="zh-TW" altLang="en-US" smtClean="0"/>
-              <a:t>第三層</a:t>
+              <a:rPr lang="en-US" altLang="zh-TW" smtClean="0"/>
+              <a:t>Third level</a:t>
             </a:r>
           </a:p>
           <a:p>
             <a:pPr lvl="3"/>
             <a:r>
-              <a:rPr lang="zh-TW" altLang="en-US" smtClean="0"/>
-              <a:t>第四層</a:t>
+              <a:rPr lang="en-US" altLang="zh-TW" smtClean="0"/>
+              <a:t>Fourth level</a:t>
             </a:r>
           </a:p>
           <a:p>
             <a:pPr lvl="4"/>
             <a:r>
-              <a:rPr lang="zh-TW" altLang="en-US" smtClean="0"/>
-              <a:t>第五層</a:t>
+              <a:rPr lang="en-US" altLang="zh-TW" smtClean="0"/>
+              <a:t>Fifth level</a:t>
             </a:r>
             <a:endParaRPr lang="zh-TW" altLang="en-US"/>
           </a:p>
@@ -457,7 +478,7 @@
           <a:p>
             <a:fld id="{748BF823-816E-4CE2-AAFF-78D1B56BB1CC}" type="datetimeFigureOut">
               <a:rPr lang="zh-TW" altLang="en-US" smtClean="0"/>
-              <a:t>2018/1/31</a:t>
+              <a:t>2020/3/28</a:t>
             </a:fld>
             <a:endParaRPr lang="zh-TW" altLang="en-US"/>
           </a:p>
@@ -506,6 +527,11 @@
         </p:txBody>
       </p:sp>
     </p:spTree>
+    <p:extLst>
+      <p:ext uri="{BB962C8B-B14F-4D97-AF65-F5344CB8AC3E}">
+        <p14:creationId xmlns:p14="http://schemas.microsoft.com/office/powerpoint/2010/main" val="21208597"/>
+      </p:ext>
+    </p:extLst>
   </p:cSld>
   <p:clrMapOvr>
     <a:masterClrMapping/>
@@ -542,8 +568,8 @@
         </p:nvSpPr>
         <p:spPr>
           <a:xfrm>
-            <a:off x="6629400" y="274638"/>
-            <a:ext cx="2057400" cy="5851525"/>
+            <a:off x="8839200" y="274639"/>
+            <a:ext cx="2743200" cy="5851525"/>
           </a:xfrm>
         </p:spPr>
         <p:txBody>
@@ -551,8 +577,8 @@
           <a:lstStyle/>
           <a:p>
             <a:r>
-              <a:rPr lang="zh-TW" altLang="en-US" smtClean="0"/>
-              <a:t>按一下以編輯母片標題樣式</a:t>
+              <a:rPr lang="en-US" altLang="zh-TW" smtClean="0"/>
+              <a:t>Click to edit Master title style</a:t>
             </a:r>
             <a:endParaRPr lang="zh-TW" altLang="en-US"/>
           </a:p>
@@ -570,8 +596,8 @@
         </p:nvSpPr>
         <p:spPr>
           <a:xfrm>
-            <a:off x="457200" y="274638"/>
-            <a:ext cx="6019800" cy="5851525"/>
+            <a:off x="609600" y="274639"/>
+            <a:ext cx="8026400" cy="5851525"/>
           </a:xfrm>
         </p:spPr>
         <p:txBody>
@@ -580,36 +606,36 @@
           <a:p>
             <a:pPr lvl="0"/>
             <a:r>
-              <a:rPr lang="zh-TW" altLang="en-US" smtClean="0"/>
-              <a:t>按一下以編輯母片文字樣式</a:t>
+              <a:rPr lang="en-US" altLang="zh-TW" smtClean="0"/>
+              <a:t>Edit Master text styles</a:t>
             </a:r>
           </a:p>
           <a:p>
             <a:pPr lvl="1"/>
             <a:r>
-              <a:rPr lang="zh-TW" altLang="en-US" smtClean="0"/>
-              <a:t>第二層</a:t>
+              <a:rPr lang="en-US" altLang="zh-TW" smtClean="0"/>
+              <a:t>Second level</a:t>
             </a:r>
           </a:p>
           <a:p>
             <a:pPr lvl="2"/>
             <a:r>
-              <a:rPr lang="zh-TW" altLang="en-US" smtClean="0"/>
-              <a:t>第三層</a:t>
+              <a:rPr lang="en-US" altLang="zh-TW" smtClean="0"/>
+              <a:t>Third level</a:t>
             </a:r>
           </a:p>
           <a:p>
             <a:pPr lvl="3"/>
             <a:r>
-              <a:rPr lang="zh-TW" altLang="en-US" smtClean="0"/>
-              <a:t>第四層</a:t>
+              <a:rPr lang="en-US" altLang="zh-TW" smtClean="0"/>
+              <a:t>Fourth level</a:t>
             </a:r>
           </a:p>
           <a:p>
             <a:pPr lvl="4"/>
             <a:r>
-              <a:rPr lang="zh-TW" altLang="en-US" smtClean="0"/>
-              <a:t>第五層</a:t>
+              <a:rPr lang="en-US" altLang="zh-TW" smtClean="0"/>
+              <a:t>Fifth level</a:t>
             </a:r>
             <a:endParaRPr lang="zh-TW" altLang="en-US"/>
           </a:p>
@@ -632,7 +658,7 @@
           <a:p>
             <a:fld id="{748BF823-816E-4CE2-AAFF-78D1B56BB1CC}" type="datetimeFigureOut">
               <a:rPr lang="zh-TW" altLang="en-US" smtClean="0"/>
-              <a:t>2018/1/31</a:t>
+              <a:t>2020/3/28</a:t>
             </a:fld>
             <a:endParaRPr lang="zh-TW" altLang="en-US"/>
           </a:p>
@@ -681,6 +707,11 @@
         </p:txBody>
       </p:sp>
     </p:spTree>
+    <p:extLst>
+      <p:ext uri="{BB962C8B-B14F-4D97-AF65-F5344CB8AC3E}">
+        <p14:creationId xmlns:p14="http://schemas.microsoft.com/office/powerpoint/2010/main" val="4000778835"/>
+      </p:ext>
+    </p:extLst>
   </p:cSld>
   <p:clrMapOvr>
     <a:masterClrMapping/>
@@ -721,8 +752,8 @@
           <a:lstStyle/>
           <a:p>
             <a:r>
-              <a:rPr lang="zh-TW" altLang="en-US" smtClean="0"/>
-              <a:t>按一下以編輯母片標題樣式</a:t>
+              <a:rPr lang="en-US" altLang="zh-TW" smtClean="0"/>
+              <a:t>Click to edit Master title style</a:t>
             </a:r>
             <a:endParaRPr lang="zh-TW" altLang="en-US"/>
           </a:p>
@@ -745,36 +776,36 @@
           <a:p>
             <a:pPr lvl="0"/>
             <a:r>
-              <a:rPr lang="zh-TW" altLang="en-US" smtClean="0"/>
-              <a:t>按一下以編輯母片文字樣式</a:t>
+              <a:rPr lang="en-US" altLang="zh-TW" smtClean="0"/>
+              <a:t>Edit Master text styles</a:t>
             </a:r>
           </a:p>
           <a:p>
             <a:pPr lvl="1"/>
             <a:r>
-              <a:rPr lang="zh-TW" altLang="en-US" smtClean="0"/>
-              <a:t>第二層</a:t>
+              <a:rPr lang="en-US" altLang="zh-TW" smtClean="0"/>
+              <a:t>Second level</a:t>
             </a:r>
           </a:p>
           <a:p>
             <a:pPr lvl="2"/>
             <a:r>
-              <a:rPr lang="zh-TW" altLang="en-US" smtClean="0"/>
-              <a:t>第三層</a:t>
+              <a:rPr lang="en-US" altLang="zh-TW" smtClean="0"/>
+              <a:t>Third level</a:t>
             </a:r>
           </a:p>
           <a:p>
             <a:pPr lvl="3"/>
             <a:r>
-              <a:rPr lang="zh-TW" altLang="en-US" smtClean="0"/>
-              <a:t>第四層</a:t>
+              <a:rPr lang="en-US" altLang="zh-TW" smtClean="0"/>
+              <a:t>Fourth level</a:t>
             </a:r>
           </a:p>
           <a:p>
             <a:pPr lvl="4"/>
             <a:r>
-              <a:rPr lang="zh-TW" altLang="en-US" smtClean="0"/>
-              <a:t>第五層</a:t>
+              <a:rPr lang="en-US" altLang="zh-TW" smtClean="0"/>
+              <a:t>Fifth level</a:t>
             </a:r>
             <a:endParaRPr lang="zh-TW" altLang="en-US"/>
           </a:p>
@@ -797,7 +828,7 @@
           <a:p>
             <a:fld id="{748BF823-816E-4CE2-AAFF-78D1B56BB1CC}" type="datetimeFigureOut">
               <a:rPr lang="zh-TW" altLang="en-US" smtClean="0"/>
-              <a:t>2018/1/31</a:t>
+              <a:t>2020/3/28</a:t>
             </a:fld>
             <a:endParaRPr lang="zh-TW" altLang="en-US"/>
           </a:p>
@@ -846,6 +877,11 @@
         </p:txBody>
       </p:sp>
     </p:spTree>
+    <p:extLst>
+      <p:ext uri="{BB962C8B-B14F-4D97-AF65-F5344CB8AC3E}">
+        <p14:creationId xmlns:p14="http://schemas.microsoft.com/office/powerpoint/2010/main" val="222832746"/>
+      </p:ext>
+    </p:extLst>
   </p:cSld>
   <p:clrMapOvr>
     <a:masterClrMapping/>
@@ -882,21 +918,21 @@
         </p:nvSpPr>
         <p:spPr>
           <a:xfrm>
-            <a:off x="722313" y="4406900"/>
-            <a:ext cx="7772400" cy="1362075"/>
+            <a:off x="963084" y="4406901"/>
+            <a:ext cx="10363200" cy="1362075"/>
           </a:xfrm>
         </p:spPr>
         <p:txBody>
           <a:bodyPr anchor="t"/>
           <a:lstStyle>
             <a:lvl1pPr algn="l">
-              <a:defRPr sz="4000" b="1" cap="all"/>
+              <a:defRPr sz="5333" b="1" cap="all"/>
             </a:lvl1pPr>
           </a:lstStyle>
           <a:p>
             <a:r>
-              <a:rPr lang="zh-TW" altLang="en-US" smtClean="0"/>
-              <a:t>按一下以編輯母片標題樣式</a:t>
+              <a:rPr lang="en-US" altLang="zh-TW" smtClean="0"/>
+              <a:t>Click to edit Master title style</a:t>
             </a:r>
             <a:endParaRPr lang="zh-TW" altLang="en-US"/>
           </a:p>
@@ -914,8 +950,8 @@
         </p:nvSpPr>
         <p:spPr>
           <a:xfrm>
-            <a:off x="722313" y="2906713"/>
-            <a:ext cx="7772400" cy="1500187"/>
+            <a:off x="963084" y="2906713"/>
+            <a:ext cx="10363200" cy="1500187"/>
           </a:xfrm>
         </p:spPr>
         <p:txBody>
@@ -923,7 +959,7 @@
           <a:lstStyle>
             <a:lvl1pPr marL="0" indent="0">
               <a:buNone/>
-              <a:defRPr sz="2000">
+              <a:defRPr sz="2667">
                 <a:solidFill>
                   <a:schemeClr val="tx1">
                     <a:tint val="75000"/>
@@ -931,9 +967,9 @@
                 </a:solidFill>
               </a:defRPr>
             </a:lvl1pPr>
-            <a:lvl2pPr marL="457200" indent="0">
-              <a:buNone/>
-              <a:defRPr sz="1800">
+            <a:lvl2pPr marL="609585" indent="0">
+              <a:buNone/>
+              <a:defRPr sz="2400">
                 <a:solidFill>
                   <a:schemeClr val="tx1">
                     <a:tint val="75000"/>
@@ -941,9 +977,9 @@
                 </a:solidFill>
               </a:defRPr>
             </a:lvl2pPr>
-            <a:lvl3pPr marL="914400" indent="0">
-              <a:buNone/>
-              <a:defRPr sz="1600">
+            <a:lvl3pPr marL="1219170" indent="0">
+              <a:buNone/>
+              <a:defRPr sz="2133">
                 <a:solidFill>
                   <a:schemeClr val="tx1">
                     <a:tint val="75000"/>
@@ -951,9 +987,9 @@
                 </a:solidFill>
               </a:defRPr>
             </a:lvl3pPr>
-            <a:lvl4pPr marL="1371600" indent="0">
-              <a:buNone/>
-              <a:defRPr sz="1400">
+            <a:lvl4pPr marL="1828754" indent="0">
+              <a:buNone/>
+              <a:defRPr sz="1867">
                 <a:solidFill>
                   <a:schemeClr val="tx1">
                     <a:tint val="75000"/>
@@ -961,9 +997,9 @@
                 </a:solidFill>
               </a:defRPr>
             </a:lvl4pPr>
-            <a:lvl5pPr marL="1828800" indent="0">
-              <a:buNone/>
-              <a:defRPr sz="1400">
+            <a:lvl5pPr marL="2438339" indent="0">
+              <a:buNone/>
+              <a:defRPr sz="1867">
                 <a:solidFill>
                   <a:schemeClr val="tx1">
                     <a:tint val="75000"/>
@@ -971,9 +1007,9 @@
                 </a:solidFill>
               </a:defRPr>
             </a:lvl5pPr>
-            <a:lvl6pPr marL="2286000" indent="0">
-              <a:buNone/>
-              <a:defRPr sz="1400">
+            <a:lvl6pPr marL="3047924" indent="0">
+              <a:buNone/>
+              <a:defRPr sz="1867">
                 <a:solidFill>
                   <a:schemeClr val="tx1">
                     <a:tint val="75000"/>
@@ -981,9 +1017,9 @@
                 </a:solidFill>
               </a:defRPr>
             </a:lvl6pPr>
-            <a:lvl7pPr marL="2743200" indent="0">
-              <a:buNone/>
-              <a:defRPr sz="1400">
+            <a:lvl7pPr marL="3657509" indent="0">
+              <a:buNone/>
+              <a:defRPr sz="1867">
                 <a:solidFill>
                   <a:schemeClr val="tx1">
                     <a:tint val="75000"/>
@@ -991,9 +1027,9 @@
                 </a:solidFill>
               </a:defRPr>
             </a:lvl7pPr>
-            <a:lvl8pPr marL="3200400" indent="0">
-              <a:buNone/>
-              <a:defRPr sz="1400">
+            <a:lvl8pPr marL="4267093" indent="0">
+              <a:buNone/>
+              <a:defRPr sz="1867">
                 <a:solidFill>
                   <a:schemeClr val="tx1">
                     <a:tint val="75000"/>
@@ -1001,9 +1037,9 @@
                 </a:solidFill>
               </a:defRPr>
             </a:lvl8pPr>
-            <a:lvl9pPr marL="3657600" indent="0">
-              <a:buNone/>
-              <a:defRPr sz="1400">
+            <a:lvl9pPr marL="4876678" indent="0">
+              <a:buNone/>
+              <a:defRPr sz="1867">
                 <a:solidFill>
                   <a:schemeClr val="tx1">
                     <a:tint val="75000"/>
@@ -1015,8 +1051,8 @@
           <a:p>
             <a:pPr lvl="0"/>
             <a:r>
-              <a:rPr lang="zh-TW" altLang="en-US" smtClean="0"/>
-              <a:t>按一下以編輯母片文字樣式</a:t>
+              <a:rPr lang="en-US" altLang="zh-TW" smtClean="0"/>
+              <a:t>Edit Master text styles</a:t>
             </a:r>
           </a:p>
         </p:txBody>
@@ -1038,7 +1074,7 @@
           <a:p>
             <a:fld id="{748BF823-816E-4CE2-AAFF-78D1B56BB1CC}" type="datetimeFigureOut">
               <a:rPr lang="zh-TW" altLang="en-US" smtClean="0"/>
-              <a:t>2018/1/31</a:t>
+              <a:t>2020/3/28</a:t>
             </a:fld>
             <a:endParaRPr lang="zh-TW" altLang="en-US"/>
           </a:p>
@@ -1087,6 +1123,11 @@
         </p:txBody>
       </p:sp>
     </p:spTree>
+    <p:extLst>
+      <p:ext uri="{BB962C8B-B14F-4D97-AF65-F5344CB8AC3E}">
+        <p14:creationId xmlns:p14="http://schemas.microsoft.com/office/powerpoint/2010/main" val="4226721781"/>
+      </p:ext>
+    </p:extLst>
   </p:cSld>
   <p:clrMapOvr>
     <a:masterClrMapping/>
@@ -1127,8 +1168,8 @@
           <a:lstStyle/>
           <a:p>
             <a:r>
-              <a:rPr lang="zh-TW" altLang="en-US" smtClean="0"/>
-              <a:t>按一下以編輯母片標題樣式</a:t>
+              <a:rPr lang="en-US" altLang="zh-TW" smtClean="0"/>
+              <a:t>Click to edit Master title style</a:t>
             </a:r>
             <a:endParaRPr lang="zh-TW" altLang="en-US"/>
           </a:p>
@@ -1146,74 +1187,74 @@
         </p:nvSpPr>
         <p:spPr>
           <a:xfrm>
-            <a:off x="457200" y="1600200"/>
-            <a:ext cx="4038600" cy="4525963"/>
+            <a:off x="609600" y="1600201"/>
+            <a:ext cx="5384800" cy="4525963"/>
           </a:xfrm>
         </p:spPr>
         <p:txBody>
           <a:bodyPr/>
           <a:lstStyle>
             <a:lvl1pPr>
-              <a:defRPr sz="2800"/>
+              <a:defRPr sz="3733"/>
             </a:lvl1pPr>
             <a:lvl2pPr>
-              <a:defRPr sz="2400"/>
+              <a:defRPr sz="3200"/>
             </a:lvl2pPr>
             <a:lvl3pPr>
-              <a:defRPr sz="2000"/>
+              <a:defRPr sz="2667"/>
             </a:lvl3pPr>
             <a:lvl4pPr>
-              <a:defRPr sz="1800"/>
+              <a:defRPr sz="2400"/>
             </a:lvl4pPr>
             <a:lvl5pPr>
-              <a:defRPr sz="1800"/>
+              <a:defRPr sz="2400"/>
             </a:lvl5pPr>
             <a:lvl6pPr>
-              <a:defRPr sz="1800"/>
+              <a:defRPr sz="2400"/>
             </a:lvl6pPr>
             <a:lvl7pPr>
-              <a:defRPr sz="1800"/>
+              <a:defRPr sz="2400"/>
             </a:lvl7pPr>
             <a:lvl8pPr>
-              <a:defRPr sz="1800"/>
+              <a:defRPr sz="2400"/>
             </a:lvl8pPr>
             <a:lvl9pPr>
-              <a:defRPr sz="1800"/>
+              <a:defRPr sz="2400"/>
             </a:lvl9pPr>
           </a:lstStyle>
           <a:p>
             <a:pPr lvl="0"/>
             <a:r>
-              <a:rPr lang="zh-TW" altLang="en-US" smtClean="0"/>
-              <a:t>按一下以編輯母片文字樣式</a:t>
+              <a:rPr lang="en-US" altLang="zh-TW" smtClean="0"/>
+              <a:t>Edit Master text styles</a:t>
             </a:r>
           </a:p>
           <a:p>
             <a:pPr lvl="1"/>
             <a:r>
-              <a:rPr lang="zh-TW" altLang="en-US" smtClean="0"/>
-              <a:t>第二層</a:t>
+              <a:rPr lang="en-US" altLang="zh-TW" smtClean="0"/>
+              <a:t>Second level</a:t>
             </a:r>
           </a:p>
           <a:p>
             <a:pPr lvl="2"/>
             <a:r>
-              <a:rPr lang="zh-TW" altLang="en-US" smtClean="0"/>
-              <a:t>第三層</a:t>
+              <a:rPr lang="en-US" altLang="zh-TW" smtClean="0"/>
+              <a:t>Third level</a:t>
             </a:r>
           </a:p>
           <a:p>
             <a:pPr lvl="3"/>
             <a:r>
-              <a:rPr lang="zh-TW" altLang="en-US" smtClean="0"/>
-              <a:t>第四層</a:t>
+              <a:rPr lang="en-US" altLang="zh-TW" smtClean="0"/>
+              <a:t>Fourth level</a:t>
             </a:r>
           </a:p>
           <a:p>
             <a:pPr lvl="4"/>
             <a:r>
-              <a:rPr lang="zh-TW" altLang="en-US" smtClean="0"/>
-              <a:t>第五層</a:t>
+              <a:rPr lang="en-US" altLang="zh-TW" smtClean="0"/>
+              <a:t>Fifth level</a:t>
             </a:r>
             <a:endParaRPr lang="zh-TW" altLang="en-US"/>
           </a:p>
@@ -1231,74 +1272,74 @@
         </p:nvSpPr>
         <p:spPr>
           <a:xfrm>
-            <a:off x="4648200" y="1600200"/>
-            <a:ext cx="4038600" cy="4525963"/>
+            <a:off x="6197600" y="1600201"/>
+            <a:ext cx="5384800" cy="4525963"/>
           </a:xfrm>
         </p:spPr>
         <p:txBody>
           <a:bodyPr/>
           <a:lstStyle>
             <a:lvl1pPr>
-              <a:defRPr sz="2800"/>
+              <a:defRPr sz="3733"/>
             </a:lvl1pPr>
             <a:lvl2pPr>
-              <a:defRPr sz="2400"/>
+              <a:defRPr sz="3200"/>
             </a:lvl2pPr>
             <a:lvl3pPr>
-              <a:defRPr sz="2000"/>
+              <a:defRPr sz="2667"/>
             </a:lvl3pPr>
             <a:lvl4pPr>
-              <a:defRPr sz="1800"/>
+              <a:defRPr sz="2400"/>
             </a:lvl4pPr>
             <a:lvl5pPr>
-              <a:defRPr sz="1800"/>
+              <a:defRPr sz="2400"/>
             </a:lvl5pPr>
             <a:lvl6pPr>
-              <a:defRPr sz="1800"/>
+              <a:defRPr sz="2400"/>
             </a:lvl6pPr>
             <a:lvl7pPr>
-              <a:defRPr sz="1800"/>
+              <a:defRPr sz="2400"/>
             </a:lvl7pPr>
             <a:lvl8pPr>
-              <a:defRPr sz="1800"/>
+              <a:defRPr sz="2400"/>
             </a:lvl8pPr>
             <a:lvl9pPr>
-              <a:defRPr sz="1800"/>
+              <a:defRPr sz="2400"/>
             </a:lvl9pPr>
           </a:lstStyle>
           <a:p>
             <a:pPr lvl="0"/>
             <a:r>
-              <a:rPr lang="zh-TW" altLang="en-US" smtClean="0"/>
-              <a:t>按一下以編輯母片文字樣式</a:t>
+              <a:rPr lang="en-US" altLang="zh-TW" smtClean="0"/>
+              <a:t>Edit Master text styles</a:t>
             </a:r>
           </a:p>
           <a:p>
             <a:pPr lvl="1"/>
             <a:r>
-              <a:rPr lang="zh-TW" altLang="en-US" smtClean="0"/>
-              <a:t>第二層</a:t>
+              <a:rPr lang="en-US" altLang="zh-TW" smtClean="0"/>
+              <a:t>Second level</a:t>
             </a:r>
           </a:p>
           <a:p>
             <a:pPr lvl="2"/>
             <a:r>
-              <a:rPr lang="zh-TW" altLang="en-US" smtClean="0"/>
-              <a:t>第三層</a:t>
+              <a:rPr lang="en-US" altLang="zh-TW" smtClean="0"/>
+              <a:t>Third level</a:t>
             </a:r>
           </a:p>
           <a:p>
             <a:pPr lvl="3"/>
             <a:r>
-              <a:rPr lang="zh-TW" altLang="en-US" smtClean="0"/>
-              <a:t>第四層</a:t>
+              <a:rPr lang="en-US" altLang="zh-TW" smtClean="0"/>
+              <a:t>Fourth level</a:t>
             </a:r>
           </a:p>
           <a:p>
             <a:pPr lvl="4"/>
             <a:r>
-              <a:rPr lang="zh-TW" altLang="en-US" smtClean="0"/>
-              <a:t>第五層</a:t>
+              <a:rPr lang="en-US" altLang="zh-TW" smtClean="0"/>
+              <a:t>Fifth level</a:t>
             </a:r>
             <a:endParaRPr lang="zh-TW" altLang="en-US"/>
           </a:p>
@@ -1321,7 +1362,7 @@
           <a:p>
             <a:fld id="{748BF823-816E-4CE2-AAFF-78D1B56BB1CC}" type="datetimeFigureOut">
               <a:rPr lang="zh-TW" altLang="en-US" smtClean="0"/>
-              <a:t>2018/1/31</a:t>
+              <a:t>2020/3/28</a:t>
             </a:fld>
             <a:endParaRPr lang="zh-TW" altLang="en-US"/>
           </a:p>
@@ -1370,6 +1411,11 @@
         </p:txBody>
       </p:sp>
     </p:spTree>
+    <p:extLst>
+      <p:ext uri="{BB962C8B-B14F-4D97-AF65-F5344CB8AC3E}">
+        <p14:creationId xmlns:p14="http://schemas.microsoft.com/office/powerpoint/2010/main" val="1041569810"/>
+      </p:ext>
+    </p:extLst>
   </p:cSld>
   <p:clrMapOvr>
     <a:masterClrMapping/>
@@ -1414,8 +1460,8 @@
           </a:lstStyle>
           <a:p>
             <a:r>
-              <a:rPr lang="zh-TW" altLang="en-US" smtClean="0"/>
-              <a:t>按一下以編輯母片標題樣式</a:t>
+              <a:rPr lang="en-US" altLang="zh-TW" smtClean="0"/>
+              <a:t>Click to edit Master title style</a:t>
             </a:r>
             <a:endParaRPr lang="zh-TW" altLang="en-US"/>
           </a:p>
@@ -1433,8 +1479,8 @@
         </p:nvSpPr>
         <p:spPr>
           <a:xfrm>
-            <a:off x="457200" y="1535113"/>
-            <a:ext cx="4040188" cy="639762"/>
+            <a:off x="609600" y="1535113"/>
+            <a:ext cx="5386917" cy="639763"/>
           </a:xfrm>
         </p:spPr>
         <p:txBody>
@@ -1442,46 +1488,46 @@
           <a:lstStyle>
             <a:lvl1pPr marL="0" indent="0">
               <a:buNone/>
+              <a:defRPr sz="3200" b="1"/>
+            </a:lvl1pPr>
+            <a:lvl2pPr marL="609585" indent="0">
+              <a:buNone/>
+              <a:defRPr sz="2667" b="1"/>
+            </a:lvl2pPr>
+            <a:lvl3pPr marL="1219170" indent="0">
+              <a:buNone/>
               <a:defRPr sz="2400" b="1"/>
-            </a:lvl1pPr>
-            <a:lvl2pPr marL="457200" indent="0">
-              <a:buNone/>
-              <a:defRPr sz="2000" b="1"/>
-            </a:lvl2pPr>
-            <a:lvl3pPr marL="914400" indent="0">
-              <a:buNone/>
-              <a:defRPr sz="1800" b="1"/>
             </a:lvl3pPr>
-            <a:lvl4pPr marL="1371600" indent="0">
-              <a:buNone/>
-              <a:defRPr sz="1600" b="1"/>
+            <a:lvl4pPr marL="1828754" indent="0">
+              <a:buNone/>
+              <a:defRPr sz="2133" b="1"/>
             </a:lvl4pPr>
-            <a:lvl5pPr marL="1828800" indent="0">
-              <a:buNone/>
-              <a:defRPr sz="1600" b="1"/>
+            <a:lvl5pPr marL="2438339" indent="0">
+              <a:buNone/>
+              <a:defRPr sz="2133" b="1"/>
             </a:lvl5pPr>
-            <a:lvl6pPr marL="2286000" indent="0">
-              <a:buNone/>
-              <a:defRPr sz="1600" b="1"/>
+            <a:lvl6pPr marL="3047924" indent="0">
+              <a:buNone/>
+              <a:defRPr sz="2133" b="1"/>
             </a:lvl6pPr>
-            <a:lvl7pPr marL="2743200" indent="0">
-              <a:buNone/>
-              <a:defRPr sz="1600" b="1"/>
+            <a:lvl7pPr marL="3657509" indent="0">
+              <a:buNone/>
+              <a:defRPr sz="2133" b="1"/>
             </a:lvl7pPr>
-            <a:lvl8pPr marL="3200400" indent="0">
-              <a:buNone/>
-              <a:defRPr sz="1600" b="1"/>
+            <a:lvl8pPr marL="4267093" indent="0">
+              <a:buNone/>
+              <a:defRPr sz="2133" b="1"/>
             </a:lvl8pPr>
-            <a:lvl9pPr marL="3657600" indent="0">
-              <a:buNone/>
-              <a:defRPr sz="1600" b="1"/>
+            <a:lvl9pPr marL="4876678" indent="0">
+              <a:buNone/>
+              <a:defRPr sz="2133" b="1"/>
             </a:lvl9pPr>
           </a:lstStyle>
           <a:p>
             <a:pPr lvl="0"/>
             <a:r>
-              <a:rPr lang="zh-TW" altLang="en-US" smtClean="0"/>
-              <a:t>按一下以編輯母片文字樣式</a:t>
+              <a:rPr lang="en-US" altLang="zh-TW" smtClean="0"/>
+              <a:t>Edit Master text styles</a:t>
             </a:r>
           </a:p>
         </p:txBody>
@@ -1498,74 +1544,74 @@
         </p:nvSpPr>
         <p:spPr>
           <a:xfrm>
-            <a:off x="457200" y="2174875"/>
-            <a:ext cx="4040188" cy="3951288"/>
+            <a:off x="609600" y="2174875"/>
+            <a:ext cx="5386917" cy="3951288"/>
           </a:xfrm>
         </p:spPr>
         <p:txBody>
           <a:bodyPr/>
           <a:lstStyle>
             <a:lvl1pPr>
-              <a:defRPr sz="2400"/>
+              <a:defRPr sz="3200"/>
             </a:lvl1pPr>
             <a:lvl2pPr>
-              <a:defRPr sz="2000"/>
+              <a:defRPr sz="2667"/>
             </a:lvl2pPr>
             <a:lvl3pPr>
-              <a:defRPr sz="1800"/>
+              <a:defRPr sz="2400"/>
             </a:lvl3pPr>
             <a:lvl4pPr>
-              <a:defRPr sz="1600"/>
+              <a:defRPr sz="2133"/>
             </a:lvl4pPr>
             <a:lvl5pPr>
-              <a:defRPr sz="1600"/>
+              <a:defRPr sz="2133"/>
             </a:lvl5pPr>
             <a:lvl6pPr>
-              <a:defRPr sz="1600"/>
+              <a:defRPr sz="2133"/>
             </a:lvl6pPr>
             <a:lvl7pPr>
-              <a:defRPr sz="1600"/>
+              <a:defRPr sz="2133"/>
             </a:lvl7pPr>
             <a:lvl8pPr>
-              <a:defRPr sz="1600"/>
+              <a:defRPr sz="2133"/>
             </a:lvl8pPr>
             <a:lvl9pPr>
-              <a:defRPr sz="1600"/>
+              <a:defRPr sz="2133"/>
             </a:lvl9pPr>
           </a:lstStyle>
           <a:p>
             <a:pPr lvl="0"/>
             <a:r>
-              <a:rPr lang="zh-TW" altLang="en-US" smtClean="0"/>
-              <a:t>按一下以編輯母片文字樣式</a:t>
+              <a:rPr lang="en-US" altLang="zh-TW" smtClean="0"/>
+              <a:t>Edit Master text styles</a:t>
             </a:r>
           </a:p>
           <a:p>
             <a:pPr lvl="1"/>
             <a:r>
-              <a:rPr lang="zh-TW" altLang="en-US" smtClean="0"/>
-              <a:t>第二層</a:t>
+              <a:rPr lang="en-US" altLang="zh-TW" smtClean="0"/>
+              <a:t>Second level</a:t>
             </a:r>
           </a:p>
           <a:p>
             <a:pPr lvl="2"/>
             <a:r>
-              <a:rPr lang="zh-TW" altLang="en-US" smtClean="0"/>
-              <a:t>第三層</a:t>
+              <a:rPr lang="en-US" altLang="zh-TW" smtClean="0"/>
+              <a:t>Third level</a:t>
             </a:r>
           </a:p>
           <a:p>
             <a:pPr lvl="3"/>
             <a:r>
-              <a:rPr lang="zh-TW" altLang="en-US" smtClean="0"/>
-              <a:t>第四層</a:t>
+              <a:rPr lang="en-US" altLang="zh-TW" smtClean="0"/>
+              <a:t>Fourth level</a:t>
             </a:r>
           </a:p>
           <a:p>
             <a:pPr lvl="4"/>
             <a:r>
-              <a:rPr lang="zh-TW" altLang="en-US" smtClean="0"/>
-              <a:t>第五層</a:t>
+              <a:rPr lang="en-US" altLang="zh-TW" smtClean="0"/>
+              <a:t>Fifth level</a:t>
             </a:r>
             <a:endParaRPr lang="zh-TW" altLang="en-US"/>
           </a:p>
@@ -1583,8 +1629,8 @@
         </p:nvSpPr>
         <p:spPr>
           <a:xfrm>
-            <a:off x="4645025" y="1535113"/>
-            <a:ext cx="4041775" cy="639762"/>
+            <a:off x="6193369" y="1535113"/>
+            <a:ext cx="5389033" cy="639763"/>
           </a:xfrm>
         </p:spPr>
         <p:txBody>
@@ -1592,46 +1638,46 @@
           <a:lstStyle>
             <a:lvl1pPr marL="0" indent="0">
               <a:buNone/>
+              <a:defRPr sz="3200" b="1"/>
+            </a:lvl1pPr>
+            <a:lvl2pPr marL="609585" indent="0">
+              <a:buNone/>
+              <a:defRPr sz="2667" b="1"/>
+            </a:lvl2pPr>
+            <a:lvl3pPr marL="1219170" indent="0">
+              <a:buNone/>
               <a:defRPr sz="2400" b="1"/>
-            </a:lvl1pPr>
-            <a:lvl2pPr marL="457200" indent="0">
-              <a:buNone/>
-              <a:defRPr sz="2000" b="1"/>
-            </a:lvl2pPr>
-            <a:lvl3pPr marL="914400" indent="0">
-              <a:buNone/>
-              <a:defRPr sz="1800" b="1"/>
             </a:lvl3pPr>
-            <a:lvl4pPr marL="1371600" indent="0">
-              <a:buNone/>
-              <a:defRPr sz="1600" b="1"/>
+            <a:lvl4pPr marL="1828754" indent="0">
+              <a:buNone/>
+              <a:defRPr sz="2133" b="1"/>
             </a:lvl4pPr>
-            <a:lvl5pPr marL="1828800" indent="0">
-              <a:buNone/>
-              <a:defRPr sz="1600" b="1"/>
+            <a:lvl5pPr marL="2438339" indent="0">
+              <a:buNone/>
+              <a:defRPr sz="2133" b="1"/>
             </a:lvl5pPr>
-            <a:lvl6pPr marL="2286000" indent="0">
-              <a:buNone/>
-              <a:defRPr sz="1600" b="1"/>
+            <a:lvl6pPr marL="3047924" indent="0">
+              <a:buNone/>
+              <a:defRPr sz="2133" b="1"/>
             </a:lvl6pPr>
-            <a:lvl7pPr marL="2743200" indent="0">
-              <a:buNone/>
-              <a:defRPr sz="1600" b="1"/>
+            <a:lvl7pPr marL="3657509" indent="0">
+              <a:buNone/>
+              <a:defRPr sz="2133" b="1"/>
             </a:lvl7pPr>
-            <a:lvl8pPr marL="3200400" indent="0">
-              <a:buNone/>
-              <a:defRPr sz="1600" b="1"/>
+            <a:lvl8pPr marL="4267093" indent="0">
+              <a:buNone/>
+              <a:defRPr sz="2133" b="1"/>
             </a:lvl8pPr>
-            <a:lvl9pPr marL="3657600" indent="0">
-              <a:buNone/>
-              <a:defRPr sz="1600" b="1"/>
+            <a:lvl9pPr marL="4876678" indent="0">
+              <a:buNone/>
+              <a:defRPr sz="2133" b="1"/>
             </a:lvl9pPr>
           </a:lstStyle>
           <a:p>
             <a:pPr lvl="0"/>
             <a:r>
-              <a:rPr lang="zh-TW" altLang="en-US" smtClean="0"/>
-              <a:t>按一下以編輯母片文字樣式</a:t>
+              <a:rPr lang="en-US" altLang="zh-TW" smtClean="0"/>
+              <a:t>Edit Master text styles</a:t>
             </a:r>
           </a:p>
         </p:txBody>
@@ -1648,74 +1694,74 @@
         </p:nvSpPr>
         <p:spPr>
           <a:xfrm>
-            <a:off x="4645025" y="2174875"/>
-            <a:ext cx="4041775" cy="3951288"/>
+            <a:off x="6193369" y="2174875"/>
+            <a:ext cx="5389033" cy="3951288"/>
           </a:xfrm>
         </p:spPr>
         <p:txBody>
           <a:bodyPr/>
           <a:lstStyle>
             <a:lvl1pPr>
-              <a:defRPr sz="2400"/>
+              <a:defRPr sz="3200"/>
             </a:lvl1pPr>
             <a:lvl2pPr>
-              <a:defRPr sz="2000"/>
+              <a:defRPr sz="2667"/>
             </a:lvl2pPr>
             <a:lvl3pPr>
-              <a:defRPr sz="1800"/>
+              <a:defRPr sz="2400"/>
             </a:lvl3pPr>
             <a:lvl4pPr>
-              <a:defRPr sz="1600"/>
+              <a:defRPr sz="2133"/>
             </a:lvl4pPr>
             <a:lvl5pPr>
-              <a:defRPr sz="1600"/>
+              <a:defRPr sz="2133"/>
             </a:lvl5pPr>
             <a:lvl6pPr>
-              <a:defRPr sz="1600"/>
+              <a:defRPr sz="2133"/>
             </a:lvl6pPr>
             <a:lvl7pPr>
-              <a:defRPr sz="1600"/>
+              <a:defRPr sz="2133"/>
             </a:lvl7pPr>
             <a:lvl8pPr>
-              <a:defRPr sz="1600"/>
+              <a:defRPr sz="2133"/>
             </a:lvl8pPr>
             <a:lvl9pPr>
-              <a:defRPr sz="1600"/>
+              <a:defRPr sz="2133"/>
             </a:lvl9pPr>
           </a:lstStyle>
           <a:p>
             <a:pPr lvl="0"/>
             <a:r>
-              <a:rPr lang="zh-TW" altLang="en-US" smtClean="0"/>
-              <a:t>按一下以編輯母片文字樣式</a:t>
+              <a:rPr lang="en-US" altLang="zh-TW" smtClean="0"/>
+              <a:t>Edit Master text styles</a:t>
             </a:r>
           </a:p>
           <a:p>
             <a:pPr lvl="1"/>
             <a:r>
-              <a:rPr lang="zh-TW" altLang="en-US" smtClean="0"/>
-              <a:t>第二層</a:t>
+              <a:rPr lang="en-US" altLang="zh-TW" smtClean="0"/>
+              <a:t>Second level</a:t>
             </a:r>
           </a:p>
           <a:p>
             <a:pPr lvl="2"/>
             <a:r>
-              <a:rPr lang="zh-TW" altLang="en-US" smtClean="0"/>
-              <a:t>第三層</a:t>
+              <a:rPr lang="en-US" altLang="zh-TW" smtClean="0"/>
+              <a:t>Third level</a:t>
             </a:r>
           </a:p>
           <a:p>
             <a:pPr lvl="3"/>
             <a:r>
-              <a:rPr lang="zh-TW" altLang="en-US" smtClean="0"/>
-              <a:t>第四層</a:t>
+              <a:rPr lang="en-US" altLang="zh-TW" smtClean="0"/>
+              <a:t>Fourth level</a:t>
             </a:r>
           </a:p>
           <a:p>
             <a:pPr lvl="4"/>
             <a:r>
-              <a:rPr lang="zh-TW" altLang="en-US" smtClean="0"/>
-              <a:t>第五層</a:t>
+              <a:rPr lang="en-US" altLang="zh-TW" smtClean="0"/>
+              <a:t>Fifth level</a:t>
             </a:r>
             <a:endParaRPr lang="zh-TW" altLang="en-US"/>
           </a:p>
@@ -1738,7 +1784,7 @@
           <a:p>
             <a:fld id="{748BF823-816E-4CE2-AAFF-78D1B56BB1CC}" type="datetimeFigureOut">
               <a:rPr lang="zh-TW" altLang="en-US" smtClean="0"/>
-              <a:t>2018/1/31</a:t>
+              <a:t>2020/3/28</a:t>
             </a:fld>
             <a:endParaRPr lang="zh-TW" altLang="en-US"/>
           </a:p>
@@ -1787,6 +1833,11 @@
         </p:txBody>
       </p:sp>
     </p:spTree>
+    <p:extLst>
+      <p:ext uri="{BB962C8B-B14F-4D97-AF65-F5344CB8AC3E}">
+        <p14:creationId xmlns:p14="http://schemas.microsoft.com/office/powerpoint/2010/main" val="544091920"/>
+      </p:ext>
+    </p:extLst>
   </p:cSld>
   <p:clrMapOvr>
     <a:masterClrMapping/>
@@ -1827,8 +1878,8 @@
           <a:lstStyle/>
           <a:p>
             <a:r>
-              <a:rPr lang="zh-TW" altLang="en-US" smtClean="0"/>
-              <a:t>按一下以編輯母片標題樣式</a:t>
+              <a:rPr lang="en-US" altLang="zh-TW" smtClean="0"/>
+              <a:t>Click to edit Master title style</a:t>
             </a:r>
             <a:endParaRPr lang="zh-TW" altLang="en-US"/>
           </a:p>
@@ -1851,7 +1902,7 @@
           <a:p>
             <a:fld id="{748BF823-816E-4CE2-AAFF-78D1B56BB1CC}" type="datetimeFigureOut">
               <a:rPr lang="zh-TW" altLang="en-US" smtClean="0"/>
-              <a:t>2018/1/31</a:t>
+              <a:t>2020/3/28</a:t>
             </a:fld>
             <a:endParaRPr lang="zh-TW" altLang="en-US"/>
           </a:p>
@@ -1900,6 +1951,11 @@
         </p:txBody>
       </p:sp>
     </p:spTree>
+    <p:extLst>
+      <p:ext uri="{BB962C8B-B14F-4D97-AF65-F5344CB8AC3E}">
+        <p14:creationId xmlns:p14="http://schemas.microsoft.com/office/powerpoint/2010/main" val="1625736403"/>
+      </p:ext>
+    </p:extLst>
   </p:cSld>
   <p:clrMapOvr>
     <a:masterClrMapping/>
@@ -1941,7 +1997,7 @@
           <a:p>
             <a:fld id="{748BF823-816E-4CE2-AAFF-78D1B56BB1CC}" type="datetimeFigureOut">
               <a:rPr lang="zh-TW" altLang="en-US" smtClean="0"/>
-              <a:t>2018/1/31</a:t>
+              <a:t>2020/3/28</a:t>
             </a:fld>
             <a:endParaRPr lang="zh-TW" altLang="en-US"/>
           </a:p>
@@ -1990,6 +2046,11 @@
         </p:txBody>
       </p:sp>
     </p:spTree>
+    <p:extLst>
+      <p:ext uri="{BB962C8B-B14F-4D97-AF65-F5344CB8AC3E}">
+        <p14:creationId xmlns:p14="http://schemas.microsoft.com/office/powerpoint/2010/main" val="238560077"/>
+      </p:ext>
+    </p:extLst>
   </p:cSld>
   <p:clrMapOvr>
     <a:masterClrMapping/>
@@ -2026,21 +2087,21 @@
         </p:nvSpPr>
         <p:spPr>
           <a:xfrm>
-            <a:off x="457200" y="273050"/>
-            <a:ext cx="3008313" cy="1162050"/>
+            <a:off x="609602" y="273049"/>
+            <a:ext cx="4011084" cy="1162051"/>
           </a:xfrm>
         </p:spPr>
         <p:txBody>
           <a:bodyPr anchor="b"/>
           <a:lstStyle>
             <a:lvl1pPr algn="l">
-              <a:defRPr sz="2000" b="1"/>
+              <a:defRPr sz="2667" b="1"/>
             </a:lvl1pPr>
           </a:lstStyle>
           <a:p>
             <a:r>
-              <a:rPr lang="zh-TW" altLang="en-US" smtClean="0"/>
-              <a:t>按一下以編輯母片標題樣式</a:t>
+              <a:rPr lang="en-US" altLang="zh-TW" smtClean="0"/>
+              <a:t>Click to edit Master title style</a:t>
             </a:r>
             <a:endParaRPr lang="zh-TW" altLang="en-US"/>
           </a:p>
@@ -2058,74 +2119,74 @@
         </p:nvSpPr>
         <p:spPr>
           <a:xfrm>
-            <a:off x="3575050" y="273050"/>
-            <a:ext cx="5111750" cy="5853113"/>
+            <a:off x="4766733" y="273052"/>
+            <a:ext cx="6815667" cy="5853113"/>
           </a:xfrm>
         </p:spPr>
         <p:txBody>
           <a:bodyPr/>
           <a:lstStyle>
             <a:lvl1pPr>
-              <a:defRPr sz="3200"/>
+              <a:defRPr sz="4267"/>
             </a:lvl1pPr>
             <a:lvl2pPr>
-              <a:defRPr sz="2800"/>
+              <a:defRPr sz="3733"/>
             </a:lvl2pPr>
             <a:lvl3pPr>
-              <a:defRPr sz="2400"/>
+              <a:defRPr sz="3200"/>
             </a:lvl3pPr>
             <a:lvl4pPr>
-              <a:defRPr sz="2000"/>
+              <a:defRPr sz="2667"/>
             </a:lvl4pPr>
             <a:lvl5pPr>
-              <a:defRPr sz="2000"/>
+              <a:defRPr sz="2667"/>
             </a:lvl5pPr>
             <a:lvl6pPr>
-              <a:defRPr sz="2000"/>
+              <a:defRPr sz="2667"/>
             </a:lvl6pPr>
             <a:lvl7pPr>
-              <a:defRPr sz="2000"/>
+              <a:defRPr sz="2667"/>
             </a:lvl7pPr>
             <a:lvl8pPr>
-              <a:defRPr sz="2000"/>
+              <a:defRPr sz="2667"/>
             </a:lvl8pPr>
             <a:lvl9pPr>
-              <a:defRPr sz="2000"/>
+              <a:defRPr sz="2667"/>
             </a:lvl9pPr>
           </a:lstStyle>
           <a:p>
             <a:pPr lvl="0"/>
             <a:r>
-              <a:rPr lang="zh-TW" altLang="en-US" smtClean="0"/>
-              <a:t>按一下以編輯母片文字樣式</a:t>
+              <a:rPr lang="en-US" altLang="zh-TW" smtClean="0"/>
+              <a:t>Edit Master text styles</a:t>
             </a:r>
           </a:p>
           <a:p>
             <a:pPr lvl="1"/>
             <a:r>
-              <a:rPr lang="zh-TW" altLang="en-US" smtClean="0"/>
-              <a:t>第二層</a:t>
+              <a:rPr lang="en-US" altLang="zh-TW" smtClean="0"/>
+              <a:t>Second level</a:t>
             </a:r>
           </a:p>
           <a:p>
             <a:pPr lvl="2"/>
             <a:r>
-              <a:rPr lang="zh-TW" altLang="en-US" smtClean="0"/>
-              <a:t>第三層</a:t>
+              <a:rPr lang="en-US" altLang="zh-TW" smtClean="0"/>
+              <a:t>Third level</a:t>
             </a:r>
           </a:p>
           <a:p>
             <a:pPr lvl="3"/>
             <a:r>
-              <a:rPr lang="zh-TW" altLang="en-US" smtClean="0"/>
-              <a:t>第四層</a:t>
+              <a:rPr lang="en-US" altLang="zh-TW" smtClean="0"/>
+              <a:t>Fourth level</a:t>
             </a:r>
           </a:p>
           <a:p>
             <a:pPr lvl="4"/>
             <a:r>
-              <a:rPr lang="zh-TW" altLang="en-US" smtClean="0"/>
-              <a:t>第五層</a:t>
+              <a:rPr lang="en-US" altLang="zh-TW" smtClean="0"/>
+              <a:t>Fifth level</a:t>
             </a:r>
             <a:endParaRPr lang="zh-TW" altLang="en-US"/>
           </a:p>
@@ -2143,8 +2204,8 @@
         </p:nvSpPr>
         <p:spPr>
           <a:xfrm>
-            <a:off x="457200" y="1435100"/>
-            <a:ext cx="3008313" cy="4691063"/>
+            <a:off x="609602" y="1435102"/>
+            <a:ext cx="4011084" cy="4691063"/>
           </a:xfrm>
         </p:spPr>
         <p:txBody>
@@ -2152,46 +2213,46 @@
           <a:lstStyle>
             <a:lvl1pPr marL="0" indent="0">
               <a:buNone/>
-              <a:defRPr sz="1400"/>
+              <a:defRPr sz="1867"/>
             </a:lvl1pPr>
-            <a:lvl2pPr marL="457200" indent="0">
+            <a:lvl2pPr marL="609585" indent="0">
+              <a:buNone/>
+              <a:defRPr sz="1600"/>
+            </a:lvl2pPr>
+            <a:lvl3pPr marL="1219170" indent="0">
+              <a:buNone/>
+              <a:defRPr sz="1333"/>
+            </a:lvl3pPr>
+            <a:lvl4pPr marL="1828754" indent="0">
               <a:buNone/>
               <a:defRPr sz="1200"/>
-            </a:lvl2pPr>
-            <a:lvl3pPr marL="914400" indent="0">
-              <a:buNone/>
-              <a:defRPr sz="1000"/>
-            </a:lvl3pPr>
-            <a:lvl4pPr marL="1371600" indent="0">
-              <a:buNone/>
-              <a:defRPr sz="900"/>
             </a:lvl4pPr>
-            <a:lvl5pPr marL="1828800" indent="0">
-              <a:buNone/>
-              <a:defRPr sz="900"/>
+            <a:lvl5pPr marL="2438339" indent="0">
+              <a:buNone/>
+              <a:defRPr sz="1200"/>
             </a:lvl5pPr>
-            <a:lvl6pPr marL="2286000" indent="0">
-              <a:buNone/>
-              <a:defRPr sz="900"/>
+            <a:lvl6pPr marL="3047924" indent="0">
+              <a:buNone/>
+              <a:defRPr sz="1200"/>
             </a:lvl6pPr>
-            <a:lvl7pPr marL="2743200" indent="0">
-              <a:buNone/>
-              <a:defRPr sz="900"/>
+            <a:lvl7pPr marL="3657509" indent="0">
+              <a:buNone/>
+              <a:defRPr sz="1200"/>
             </a:lvl7pPr>
-            <a:lvl8pPr marL="3200400" indent="0">
-              <a:buNone/>
-              <a:defRPr sz="900"/>
+            <a:lvl8pPr marL="4267093" indent="0">
+              <a:buNone/>
+              <a:defRPr sz="1200"/>
             </a:lvl8pPr>
-            <a:lvl9pPr marL="3657600" indent="0">
-              <a:buNone/>
-              <a:defRPr sz="900"/>
+            <a:lvl9pPr marL="4876678" indent="0">
+              <a:buNone/>
+              <a:defRPr sz="1200"/>
             </a:lvl9pPr>
           </a:lstStyle>
           <a:p>
             <a:pPr lvl="0"/>
             <a:r>
-              <a:rPr lang="zh-TW" altLang="en-US" smtClean="0"/>
-              <a:t>按一下以編輯母片文字樣式</a:t>
+              <a:rPr lang="en-US" altLang="zh-TW" smtClean="0"/>
+              <a:t>Edit Master text styles</a:t>
             </a:r>
           </a:p>
         </p:txBody>
@@ -2213,7 +2274,7 @@
           <a:p>
             <a:fld id="{748BF823-816E-4CE2-AAFF-78D1B56BB1CC}" type="datetimeFigureOut">
               <a:rPr lang="zh-TW" altLang="en-US" smtClean="0"/>
-              <a:t>2018/1/31</a:t>
+              <a:t>2020/3/28</a:t>
             </a:fld>
             <a:endParaRPr lang="zh-TW" altLang="en-US"/>
           </a:p>
@@ -2262,6 +2323,11 @@
         </p:txBody>
       </p:sp>
     </p:spTree>
+    <p:extLst>
+      <p:ext uri="{BB962C8B-B14F-4D97-AF65-F5344CB8AC3E}">
+        <p14:creationId xmlns:p14="http://schemas.microsoft.com/office/powerpoint/2010/main" val="2472834780"/>
+      </p:ext>
+    </p:extLst>
   </p:cSld>
   <p:clrMapOvr>
     <a:masterClrMapping/>
@@ -2298,21 +2364,21 @@
         </p:nvSpPr>
         <p:spPr>
           <a:xfrm>
-            <a:off x="1792288" y="4800600"/>
-            <a:ext cx="5486400" cy="566738"/>
+            <a:off x="2389717" y="4800600"/>
+            <a:ext cx="7315200" cy="566739"/>
           </a:xfrm>
         </p:spPr>
         <p:txBody>
           <a:bodyPr anchor="b"/>
           <a:lstStyle>
             <a:lvl1pPr algn="l">
-              <a:defRPr sz="2000" b="1"/>
+              <a:defRPr sz="2667" b="1"/>
             </a:lvl1pPr>
           </a:lstStyle>
           <a:p>
             <a:r>
-              <a:rPr lang="zh-TW" altLang="en-US" smtClean="0"/>
-              <a:t>按一下以編輯母片標題樣式</a:t>
+              <a:rPr lang="en-US" altLang="zh-TW" smtClean="0"/>
+              <a:t>Click to edit Master title style</a:t>
             </a:r>
             <a:endParaRPr lang="zh-TW" altLang="en-US"/>
           </a:p>
@@ -2330,8 +2396,8 @@
         </p:nvSpPr>
         <p:spPr>
           <a:xfrm>
-            <a:off x="1792288" y="612775"/>
-            <a:ext cx="5486400" cy="4114800"/>
+            <a:off x="2389717" y="612775"/>
+            <a:ext cx="7315200" cy="4114800"/>
           </a:xfrm>
         </p:spPr>
         <p:txBody>
@@ -2339,42 +2405,46 @@
           <a:lstStyle>
             <a:lvl1pPr marL="0" indent="0">
               <a:buNone/>
+              <a:defRPr sz="4267"/>
+            </a:lvl1pPr>
+            <a:lvl2pPr marL="609585" indent="0">
+              <a:buNone/>
+              <a:defRPr sz="3733"/>
+            </a:lvl2pPr>
+            <a:lvl3pPr marL="1219170" indent="0">
+              <a:buNone/>
               <a:defRPr sz="3200"/>
-            </a:lvl1pPr>
-            <a:lvl2pPr marL="457200" indent="0">
-              <a:buNone/>
-              <a:defRPr sz="2800"/>
-            </a:lvl2pPr>
-            <a:lvl3pPr marL="914400" indent="0">
-              <a:buNone/>
-              <a:defRPr sz="2400"/>
             </a:lvl3pPr>
-            <a:lvl4pPr marL="1371600" indent="0">
-              <a:buNone/>
-              <a:defRPr sz="2000"/>
+            <a:lvl4pPr marL="1828754" indent="0">
+              <a:buNone/>
+              <a:defRPr sz="2667"/>
             </a:lvl4pPr>
-            <a:lvl5pPr marL="1828800" indent="0">
-              <a:buNone/>
-              <a:defRPr sz="2000"/>
+            <a:lvl5pPr marL="2438339" indent="0">
+              <a:buNone/>
+              <a:defRPr sz="2667"/>
             </a:lvl5pPr>
-            <a:lvl6pPr marL="2286000" indent="0">
-              <a:buNone/>
-              <a:defRPr sz="2000"/>
+            <a:lvl6pPr marL="3047924" indent="0">
+              <a:buNone/>
+              <a:defRPr sz="2667"/>
             </a:lvl6pPr>
-            <a:lvl7pPr marL="2743200" indent="0">
-              <a:buNone/>
-              <a:defRPr sz="2000"/>
+            <a:lvl7pPr marL="3657509" indent="0">
+              <a:buNone/>
+              <a:defRPr sz="2667"/>
             </a:lvl7pPr>
-            <a:lvl8pPr marL="3200400" indent="0">
-              <a:buNone/>
-              <a:defRPr sz="2000"/>
+            <a:lvl8pPr marL="4267093" indent="0">
+              <a:buNone/>
+              <a:defRPr sz="2667"/>
             </a:lvl8pPr>
-            <a:lvl9pPr marL="3657600" indent="0">
-              <a:buNone/>
-              <a:defRPr sz="2000"/>
+            <a:lvl9pPr marL="4876678" indent="0">
+              <a:buNone/>
+              <a:defRPr sz="2667"/>
             </a:lvl9pPr>
           </a:lstStyle>
           <a:p>
+            <a:r>
+              <a:rPr lang="en-US" altLang="zh-TW" smtClean="0"/>
+              <a:t>Click icon to add picture</a:t>
+            </a:r>
             <a:endParaRPr lang="zh-TW" altLang="en-US"/>
           </a:p>
         </p:txBody>
@@ -2391,8 +2461,8 @@
         </p:nvSpPr>
         <p:spPr>
           <a:xfrm>
-            <a:off x="1792288" y="5367338"/>
-            <a:ext cx="5486400" cy="804862"/>
+            <a:off x="2389717" y="5367338"/>
+            <a:ext cx="7315200" cy="804863"/>
           </a:xfrm>
         </p:spPr>
         <p:txBody>
@@ -2400,46 +2470,46 @@
           <a:lstStyle>
             <a:lvl1pPr marL="0" indent="0">
               <a:buNone/>
-              <a:defRPr sz="1400"/>
+              <a:defRPr sz="1867"/>
             </a:lvl1pPr>
-            <a:lvl2pPr marL="457200" indent="0">
+            <a:lvl2pPr marL="609585" indent="0">
+              <a:buNone/>
+              <a:defRPr sz="1600"/>
+            </a:lvl2pPr>
+            <a:lvl3pPr marL="1219170" indent="0">
+              <a:buNone/>
+              <a:defRPr sz="1333"/>
+            </a:lvl3pPr>
+            <a:lvl4pPr marL="1828754" indent="0">
               <a:buNone/>
               <a:defRPr sz="1200"/>
-            </a:lvl2pPr>
-            <a:lvl3pPr marL="914400" indent="0">
-              <a:buNone/>
-              <a:defRPr sz="1000"/>
-            </a:lvl3pPr>
-            <a:lvl4pPr marL="1371600" indent="0">
-              <a:buNone/>
-              <a:defRPr sz="900"/>
             </a:lvl4pPr>
-            <a:lvl5pPr marL="1828800" indent="0">
-              <a:buNone/>
-              <a:defRPr sz="900"/>
+            <a:lvl5pPr marL="2438339" indent="0">
+              <a:buNone/>
+              <a:defRPr sz="1200"/>
             </a:lvl5pPr>
-            <a:lvl6pPr marL="2286000" indent="0">
-              <a:buNone/>
-              <a:defRPr sz="900"/>
+            <a:lvl6pPr marL="3047924" indent="0">
+              <a:buNone/>
+              <a:defRPr sz="1200"/>
             </a:lvl6pPr>
-            <a:lvl7pPr marL="2743200" indent="0">
-              <a:buNone/>
-              <a:defRPr sz="900"/>
+            <a:lvl7pPr marL="3657509" indent="0">
+              <a:buNone/>
+              <a:defRPr sz="1200"/>
             </a:lvl7pPr>
-            <a:lvl8pPr marL="3200400" indent="0">
-              <a:buNone/>
-              <a:defRPr sz="900"/>
+            <a:lvl8pPr marL="4267093" indent="0">
+              <a:buNone/>
+              <a:defRPr sz="1200"/>
             </a:lvl8pPr>
-            <a:lvl9pPr marL="3657600" indent="0">
-              <a:buNone/>
-              <a:defRPr sz="900"/>
+            <a:lvl9pPr marL="4876678" indent="0">
+              <a:buNone/>
+              <a:defRPr sz="1200"/>
             </a:lvl9pPr>
           </a:lstStyle>
           <a:p>
             <a:pPr lvl="0"/>
             <a:r>
-              <a:rPr lang="zh-TW" altLang="en-US" smtClean="0"/>
-              <a:t>按一下以編輯母片文字樣式</a:t>
+              <a:rPr lang="en-US" altLang="zh-TW" smtClean="0"/>
+              <a:t>Edit Master text styles</a:t>
             </a:r>
           </a:p>
         </p:txBody>
@@ -2461,7 +2531,7 @@
           <a:p>
             <a:fld id="{748BF823-816E-4CE2-AAFF-78D1B56BB1CC}" type="datetimeFigureOut">
               <a:rPr lang="zh-TW" altLang="en-US" smtClean="0"/>
-              <a:t>2018/1/31</a:t>
+              <a:t>2020/3/28</a:t>
             </a:fld>
             <a:endParaRPr lang="zh-TW" altLang="en-US"/>
           </a:p>
@@ -2510,6 +2580,11 @@
         </p:txBody>
       </p:sp>
     </p:spTree>
+    <p:extLst>
+      <p:ext uri="{BB962C8B-B14F-4D97-AF65-F5344CB8AC3E}">
+        <p14:creationId xmlns:p14="http://schemas.microsoft.com/office/powerpoint/2010/main" val="129023290"/>
+      </p:ext>
+    </p:extLst>
   </p:cSld>
   <p:clrMapOvr>
     <a:masterClrMapping/>
@@ -2521,9 +2596,14 @@
 <p:sldMaster xmlns:a="http://schemas.openxmlformats.org/drawingml/2006/main" xmlns:r="http://schemas.openxmlformats.org/officeDocument/2006/relationships" xmlns:p="http://schemas.openxmlformats.org/presentationml/2006/main">
   <p:cSld>
     <p:bg>
-      <p:bgRef idx="1001">
-        <a:schemeClr val="bg1"/>
-      </p:bgRef>
+      <p:bgPr>
+        <a:blipFill dpi="0" rotWithShape="1">
+          <a:blip r:embed="rId13"/>
+          <a:srcRect/>
+          <a:tile tx="0" ty="0" sx="100000" sy="100000" flip="none" algn="tl"/>
+        </a:blipFill>
+        <a:effectLst/>
+      </p:bgPr>
     </p:bg>
     <p:spTree>
       <p:nvGrpSpPr>
@@ -2551,8 +2631,8 @@
         </p:nvSpPr>
         <p:spPr>
           <a:xfrm>
-            <a:off x="457200" y="274638"/>
-            <a:ext cx="8229600" cy="1143000"/>
+            <a:off x="609600" y="274639"/>
+            <a:ext cx="10972800" cy="1143000"/>
           </a:xfrm>
           <a:prstGeom prst="rect">
             <a:avLst/>
@@ -2584,8 +2664,8 @@
         </p:nvSpPr>
         <p:spPr>
           <a:xfrm>
-            <a:off x="457200" y="1600200"/>
-            <a:ext cx="8229600" cy="4525963"/>
+            <a:off x="609600" y="1600201"/>
+            <a:ext cx="10972800" cy="4525963"/>
           </a:xfrm>
           <a:prstGeom prst="rect">
             <a:avLst/>
@@ -2646,8 +2726,8 @@
         </p:nvSpPr>
         <p:spPr>
           <a:xfrm>
-            <a:off x="457200" y="6356350"/>
-            <a:ext cx="2133600" cy="365125"/>
+            <a:off x="609600" y="6356351"/>
+            <a:ext cx="2844800" cy="365125"/>
           </a:xfrm>
           <a:prstGeom prst="rect">
             <a:avLst/>
@@ -2657,7 +2737,7 @@
           <a:bodyPr vert="horz" lIns="91440" tIns="45720" rIns="91440" bIns="45720" rtlCol="0" anchor="ctr"/>
           <a:lstStyle>
             <a:lvl1pPr algn="l">
-              <a:defRPr sz="1200">
+              <a:defRPr sz="1600">
                 <a:solidFill>
                   <a:schemeClr val="tx1">
                     <a:tint val="75000"/>
@@ -2669,7 +2749,7 @@
           <a:p>
             <a:fld id="{748BF823-816E-4CE2-AAFF-78D1B56BB1CC}" type="datetimeFigureOut">
               <a:rPr lang="zh-TW" altLang="en-US" smtClean="0"/>
-              <a:t>2018/1/31</a:t>
+              <a:t>2020/3/28</a:t>
             </a:fld>
             <a:endParaRPr lang="zh-TW" altLang="en-US"/>
           </a:p>
@@ -2687,8 +2767,8 @@
         </p:nvSpPr>
         <p:spPr>
           <a:xfrm>
-            <a:off x="3124200" y="6356350"/>
-            <a:ext cx="2895600" cy="365125"/>
+            <a:off x="4165600" y="6356351"/>
+            <a:ext cx="3860800" cy="365125"/>
           </a:xfrm>
           <a:prstGeom prst="rect">
             <a:avLst/>
@@ -2698,7 +2778,7 @@
           <a:bodyPr vert="horz" lIns="91440" tIns="45720" rIns="91440" bIns="45720" rtlCol="0" anchor="ctr"/>
           <a:lstStyle>
             <a:lvl1pPr algn="ctr">
-              <a:defRPr sz="1200">
+              <a:defRPr sz="1600">
                 <a:solidFill>
                   <a:schemeClr val="tx1">
                     <a:tint val="75000"/>
@@ -2724,8 +2804,8 @@
         </p:nvSpPr>
         <p:spPr>
           <a:xfrm>
-            <a:off x="6553200" y="6356350"/>
-            <a:ext cx="2133600" cy="365125"/>
+            <a:off x="8737600" y="6356351"/>
+            <a:ext cx="2844800" cy="365125"/>
           </a:xfrm>
           <a:prstGeom prst="rect">
             <a:avLst/>
@@ -2735,7 +2815,7 @@
           <a:bodyPr vert="horz" lIns="91440" tIns="45720" rIns="91440" bIns="45720" rtlCol="0" anchor="ctr"/>
           <a:lstStyle>
             <a:lvl1pPr algn="r">
-              <a:defRPr sz="1200">
+              <a:defRPr sz="1600">
                 <a:solidFill>
                   <a:schemeClr val="tx1">
                     <a:tint val="75000"/>
@@ -2754,29 +2834,34 @@
         </p:txBody>
       </p:sp>
     </p:spTree>
+    <p:extLst>
+      <p:ext uri="{BB962C8B-B14F-4D97-AF65-F5344CB8AC3E}">
+        <p14:creationId xmlns:p14="http://schemas.microsoft.com/office/powerpoint/2010/main" val="311579297"/>
+      </p:ext>
+    </p:extLst>
   </p:cSld>
   <p:clrMap bg1="lt1" tx1="dk1" bg2="lt2" tx2="dk2" accent1="accent1" accent2="accent2" accent3="accent3" accent4="accent4" accent5="accent5" accent6="accent6" hlink="hlink" folHlink="folHlink"/>
   <p:sldLayoutIdLst>
-    <p:sldLayoutId id="2147483649" r:id="rId1"/>
-    <p:sldLayoutId id="2147483650" r:id="rId2"/>
-    <p:sldLayoutId id="2147483651" r:id="rId3"/>
-    <p:sldLayoutId id="2147483652" r:id="rId4"/>
-    <p:sldLayoutId id="2147483653" r:id="rId5"/>
-    <p:sldLayoutId id="2147483654" r:id="rId6"/>
-    <p:sldLayoutId id="2147483655" r:id="rId7"/>
-    <p:sldLayoutId id="2147483656" r:id="rId8"/>
-    <p:sldLayoutId id="2147483657" r:id="rId9"/>
-    <p:sldLayoutId id="2147483658" r:id="rId10"/>
-    <p:sldLayoutId id="2147483659" r:id="rId11"/>
+    <p:sldLayoutId id="2147483661" r:id="rId1"/>
+    <p:sldLayoutId id="2147483662" r:id="rId2"/>
+    <p:sldLayoutId id="2147483663" r:id="rId3"/>
+    <p:sldLayoutId id="2147483664" r:id="rId4"/>
+    <p:sldLayoutId id="2147483665" r:id="rId5"/>
+    <p:sldLayoutId id="2147483666" r:id="rId6"/>
+    <p:sldLayoutId id="2147483667" r:id="rId7"/>
+    <p:sldLayoutId id="2147483668" r:id="rId8"/>
+    <p:sldLayoutId id="2147483669" r:id="rId9"/>
+    <p:sldLayoutId id="2147483670" r:id="rId10"/>
+    <p:sldLayoutId id="2147483671" r:id="rId11"/>
   </p:sldLayoutIdLst>
   <p:txStyles>
     <p:titleStyle>
-      <a:lvl1pPr algn="ctr" defTabSz="914400" rtl="0" eaLnBrk="1" latinLnBrk="0" hangingPunct="1">
+      <a:lvl1pPr algn="ctr" defTabSz="1219170" rtl="0" eaLnBrk="1" latinLnBrk="0" hangingPunct="1">
         <a:spcBef>
           <a:spcPct val="0"/>
         </a:spcBef>
         <a:buNone/>
-        <a:defRPr sz="4400" kern="1200">
+        <a:defRPr sz="5867" kern="1200">
           <a:solidFill>
             <a:schemeClr val="tx1"/>
           </a:solidFill>
@@ -2787,7 +2872,37 @@
       </a:lvl1pPr>
     </p:titleStyle>
     <p:bodyStyle>
-      <a:lvl1pPr marL="342900" indent="-342900" algn="l" defTabSz="914400" rtl="0" eaLnBrk="1" latinLnBrk="0" hangingPunct="1">
+      <a:lvl1pPr marL="457189" indent="-457189" algn="l" defTabSz="1219170" rtl="0" eaLnBrk="1" latinLnBrk="0" hangingPunct="1">
+        <a:spcBef>
+          <a:spcPct val="20000"/>
+        </a:spcBef>
+        <a:buFont typeface="Arial" pitchFamily="34" charset="0"/>
+        <a:buChar char="•"/>
+        <a:defRPr sz="4267" kern="1200">
+          <a:solidFill>
+            <a:schemeClr val="tx1"/>
+          </a:solidFill>
+          <a:latin typeface="+mn-lt"/>
+          <a:ea typeface="+mn-ea"/>
+          <a:cs typeface="+mn-cs"/>
+        </a:defRPr>
+      </a:lvl1pPr>
+      <a:lvl2pPr marL="990575" indent="-380990" algn="l" defTabSz="1219170" rtl="0" eaLnBrk="1" latinLnBrk="0" hangingPunct="1">
+        <a:spcBef>
+          <a:spcPct val="20000"/>
+        </a:spcBef>
+        <a:buFont typeface="Arial" pitchFamily="34" charset="0"/>
+        <a:buChar char="–"/>
+        <a:defRPr sz="3733" kern="1200">
+          <a:solidFill>
+            <a:schemeClr val="tx1"/>
+          </a:solidFill>
+          <a:latin typeface="+mn-lt"/>
+          <a:ea typeface="+mn-ea"/>
+          <a:cs typeface="+mn-cs"/>
+        </a:defRPr>
+      </a:lvl2pPr>
+      <a:lvl3pPr marL="1523962" indent="-304792" algn="l" defTabSz="1219170" rtl="0" eaLnBrk="1" latinLnBrk="0" hangingPunct="1">
         <a:spcBef>
           <a:spcPct val="20000"/>
         </a:spcBef>
@@ -2801,44 +2916,14 @@
           <a:ea typeface="+mn-ea"/>
           <a:cs typeface="+mn-cs"/>
         </a:defRPr>
-      </a:lvl1pPr>
-      <a:lvl2pPr marL="742950" indent="-285750" algn="l" defTabSz="914400" rtl="0" eaLnBrk="1" latinLnBrk="0" hangingPunct="1">
+      </a:lvl3pPr>
+      <a:lvl4pPr marL="2133547" indent="-304792" algn="l" defTabSz="1219170" rtl="0" eaLnBrk="1" latinLnBrk="0" hangingPunct="1">
         <a:spcBef>
           <a:spcPct val="20000"/>
         </a:spcBef>
         <a:buFont typeface="Arial" pitchFamily="34" charset="0"/>
         <a:buChar char="–"/>
-        <a:defRPr sz="2800" kern="1200">
-          <a:solidFill>
-            <a:schemeClr val="tx1"/>
-          </a:solidFill>
-          <a:latin typeface="+mn-lt"/>
-          <a:ea typeface="+mn-ea"/>
-          <a:cs typeface="+mn-cs"/>
-        </a:defRPr>
-      </a:lvl2pPr>
-      <a:lvl3pPr marL="1143000" indent="-228600" algn="l" defTabSz="914400" rtl="0" eaLnBrk="1" latinLnBrk="0" hangingPunct="1">
-        <a:spcBef>
-          <a:spcPct val="20000"/>
-        </a:spcBef>
-        <a:buFont typeface="Arial" pitchFamily="34" charset="0"/>
-        <a:buChar char="•"/>
-        <a:defRPr sz="2400" kern="1200">
-          <a:solidFill>
-            <a:schemeClr val="tx1"/>
-          </a:solidFill>
-          <a:latin typeface="+mn-lt"/>
-          <a:ea typeface="+mn-ea"/>
-          <a:cs typeface="+mn-cs"/>
-        </a:defRPr>
-      </a:lvl3pPr>
-      <a:lvl4pPr marL="1600200" indent="-228600" algn="l" defTabSz="914400" rtl="0" eaLnBrk="1" latinLnBrk="0" hangingPunct="1">
-        <a:spcBef>
-          <a:spcPct val="20000"/>
-        </a:spcBef>
-        <a:buFont typeface="Arial" pitchFamily="34" charset="0"/>
-        <a:buChar char="–"/>
-        <a:defRPr sz="2000" kern="1200">
+        <a:defRPr sz="2667" kern="1200">
           <a:solidFill>
             <a:schemeClr val="tx1"/>
           </a:solidFill>
@@ -2847,13 +2932,13 @@
           <a:cs typeface="+mn-cs"/>
         </a:defRPr>
       </a:lvl4pPr>
-      <a:lvl5pPr marL="2057400" indent="-228600" algn="l" defTabSz="914400" rtl="0" eaLnBrk="1" latinLnBrk="0" hangingPunct="1">
+      <a:lvl5pPr marL="2743131" indent="-304792" algn="l" defTabSz="1219170" rtl="0" eaLnBrk="1" latinLnBrk="0" hangingPunct="1">
         <a:spcBef>
           <a:spcPct val="20000"/>
         </a:spcBef>
         <a:buFont typeface="Arial" pitchFamily="34" charset="0"/>
         <a:buChar char="»"/>
-        <a:defRPr sz="2000" kern="1200">
+        <a:defRPr sz="2667" kern="1200">
           <a:solidFill>
             <a:schemeClr val="tx1"/>
           </a:solidFill>
@@ -2862,13 +2947,13 @@
           <a:cs typeface="+mn-cs"/>
         </a:defRPr>
       </a:lvl5pPr>
-      <a:lvl6pPr marL="2514600" indent="-228600" algn="l" defTabSz="914400" rtl="0" eaLnBrk="1" latinLnBrk="0" hangingPunct="1">
+      <a:lvl6pPr marL="3352716" indent="-304792" algn="l" defTabSz="1219170" rtl="0" eaLnBrk="1" latinLnBrk="0" hangingPunct="1">
         <a:spcBef>
           <a:spcPct val="20000"/>
         </a:spcBef>
         <a:buFont typeface="Arial" pitchFamily="34" charset="0"/>
         <a:buChar char="•"/>
-        <a:defRPr sz="2000" kern="1200">
+        <a:defRPr sz="2667" kern="1200">
           <a:solidFill>
             <a:schemeClr val="tx1"/>
           </a:solidFill>
@@ -2877,13 +2962,13 @@
           <a:cs typeface="+mn-cs"/>
         </a:defRPr>
       </a:lvl6pPr>
-      <a:lvl7pPr marL="2971800" indent="-228600" algn="l" defTabSz="914400" rtl="0" eaLnBrk="1" latinLnBrk="0" hangingPunct="1">
+      <a:lvl7pPr marL="3962301" indent="-304792" algn="l" defTabSz="1219170" rtl="0" eaLnBrk="1" latinLnBrk="0" hangingPunct="1">
         <a:spcBef>
           <a:spcPct val="20000"/>
         </a:spcBef>
         <a:buFont typeface="Arial" pitchFamily="34" charset="0"/>
         <a:buChar char="•"/>
-        <a:defRPr sz="2000" kern="1200">
+        <a:defRPr sz="2667" kern="1200">
           <a:solidFill>
             <a:schemeClr val="tx1"/>
           </a:solidFill>
@@ -2892,13 +2977,13 @@
           <a:cs typeface="+mn-cs"/>
         </a:defRPr>
       </a:lvl7pPr>
-      <a:lvl8pPr marL="3429000" indent="-228600" algn="l" defTabSz="914400" rtl="0" eaLnBrk="1" latinLnBrk="0" hangingPunct="1">
+      <a:lvl8pPr marL="4571886" indent="-304792" algn="l" defTabSz="1219170" rtl="0" eaLnBrk="1" latinLnBrk="0" hangingPunct="1">
         <a:spcBef>
           <a:spcPct val="20000"/>
         </a:spcBef>
         <a:buFont typeface="Arial" pitchFamily="34" charset="0"/>
         <a:buChar char="•"/>
-        <a:defRPr sz="2000" kern="1200">
+        <a:defRPr sz="2667" kern="1200">
           <a:solidFill>
             <a:schemeClr val="tx1"/>
           </a:solidFill>
@@ -2907,13 +2992,13 @@
           <a:cs typeface="+mn-cs"/>
         </a:defRPr>
       </a:lvl8pPr>
-      <a:lvl9pPr marL="3886200" indent="-228600" algn="l" defTabSz="914400" rtl="0" eaLnBrk="1" latinLnBrk="0" hangingPunct="1">
+      <a:lvl9pPr marL="5181470" indent="-304792" algn="l" defTabSz="1219170" rtl="0" eaLnBrk="1" latinLnBrk="0" hangingPunct="1">
         <a:spcBef>
           <a:spcPct val="20000"/>
         </a:spcBef>
         <a:buFont typeface="Arial" pitchFamily="34" charset="0"/>
         <a:buChar char="•"/>
-        <a:defRPr sz="2000" kern="1200">
+        <a:defRPr sz="2667" kern="1200">
           <a:solidFill>
             <a:schemeClr val="tx1"/>
           </a:solidFill>
@@ -2927,8 +3012,8 @@
       <a:defPPr>
         <a:defRPr lang="zh-TW"/>
       </a:defPPr>
-      <a:lvl1pPr marL="0" algn="l" defTabSz="914400" rtl="0" eaLnBrk="1" latinLnBrk="0" hangingPunct="1">
-        <a:defRPr sz="1800" kern="1200">
+      <a:lvl1pPr marL="0" algn="l" defTabSz="1219170" rtl="0" eaLnBrk="1" latinLnBrk="0" hangingPunct="1">
+        <a:defRPr sz="2400" kern="1200">
           <a:solidFill>
             <a:schemeClr val="tx1"/>
           </a:solidFill>
@@ -2937,8 +3022,8 @@
           <a:cs typeface="+mn-cs"/>
         </a:defRPr>
       </a:lvl1pPr>
-      <a:lvl2pPr marL="457200" algn="l" defTabSz="914400" rtl="0" eaLnBrk="1" latinLnBrk="0" hangingPunct="1">
-        <a:defRPr sz="1800" kern="1200">
+      <a:lvl2pPr marL="609585" algn="l" defTabSz="1219170" rtl="0" eaLnBrk="1" latinLnBrk="0" hangingPunct="1">
+        <a:defRPr sz="2400" kern="1200">
           <a:solidFill>
             <a:schemeClr val="tx1"/>
           </a:solidFill>
@@ -2947,8 +3032,8 @@
           <a:cs typeface="+mn-cs"/>
         </a:defRPr>
       </a:lvl2pPr>
-      <a:lvl3pPr marL="914400" algn="l" defTabSz="914400" rtl="0" eaLnBrk="1" latinLnBrk="0" hangingPunct="1">
-        <a:defRPr sz="1800" kern="1200">
+      <a:lvl3pPr marL="1219170" algn="l" defTabSz="1219170" rtl="0" eaLnBrk="1" latinLnBrk="0" hangingPunct="1">
+        <a:defRPr sz="2400" kern="1200">
           <a:solidFill>
             <a:schemeClr val="tx1"/>
           </a:solidFill>
@@ -2957,8 +3042,8 @@
           <a:cs typeface="+mn-cs"/>
         </a:defRPr>
       </a:lvl3pPr>
-      <a:lvl4pPr marL="1371600" algn="l" defTabSz="914400" rtl="0" eaLnBrk="1" latinLnBrk="0" hangingPunct="1">
-        <a:defRPr sz="1800" kern="1200">
+      <a:lvl4pPr marL="1828754" algn="l" defTabSz="1219170" rtl="0" eaLnBrk="1" latinLnBrk="0" hangingPunct="1">
+        <a:defRPr sz="2400" kern="1200">
           <a:solidFill>
             <a:schemeClr val="tx1"/>
           </a:solidFill>
@@ -2967,8 +3052,8 @@
           <a:cs typeface="+mn-cs"/>
         </a:defRPr>
       </a:lvl4pPr>
-      <a:lvl5pPr marL="1828800" algn="l" defTabSz="914400" rtl="0" eaLnBrk="1" latinLnBrk="0" hangingPunct="1">
-        <a:defRPr sz="1800" kern="1200">
+      <a:lvl5pPr marL="2438339" algn="l" defTabSz="1219170" rtl="0" eaLnBrk="1" latinLnBrk="0" hangingPunct="1">
+        <a:defRPr sz="2400" kern="1200">
           <a:solidFill>
             <a:schemeClr val="tx1"/>
           </a:solidFill>
@@ -2977,8 +3062,8 @@
           <a:cs typeface="+mn-cs"/>
         </a:defRPr>
       </a:lvl5pPr>
-      <a:lvl6pPr marL="2286000" algn="l" defTabSz="914400" rtl="0" eaLnBrk="1" latinLnBrk="0" hangingPunct="1">
-        <a:defRPr sz="1800" kern="1200">
+      <a:lvl6pPr marL="3047924" algn="l" defTabSz="1219170" rtl="0" eaLnBrk="1" latinLnBrk="0" hangingPunct="1">
+        <a:defRPr sz="2400" kern="1200">
           <a:solidFill>
             <a:schemeClr val="tx1"/>
           </a:solidFill>
@@ -2987,8 +3072,8 @@
           <a:cs typeface="+mn-cs"/>
         </a:defRPr>
       </a:lvl6pPr>
-      <a:lvl7pPr marL="2743200" algn="l" defTabSz="914400" rtl="0" eaLnBrk="1" latinLnBrk="0" hangingPunct="1">
-        <a:defRPr sz="1800" kern="1200">
+      <a:lvl7pPr marL="3657509" algn="l" defTabSz="1219170" rtl="0" eaLnBrk="1" latinLnBrk="0" hangingPunct="1">
+        <a:defRPr sz="2400" kern="1200">
           <a:solidFill>
             <a:schemeClr val="tx1"/>
           </a:solidFill>
@@ -2997,8 +3082,8 @@
           <a:cs typeface="+mn-cs"/>
         </a:defRPr>
       </a:lvl7pPr>
-      <a:lvl8pPr marL="3200400" algn="l" defTabSz="914400" rtl="0" eaLnBrk="1" latinLnBrk="0" hangingPunct="1">
-        <a:defRPr sz="1800" kern="1200">
+      <a:lvl8pPr marL="4267093" algn="l" defTabSz="1219170" rtl="0" eaLnBrk="1" latinLnBrk="0" hangingPunct="1">
+        <a:defRPr sz="2400" kern="1200">
           <a:solidFill>
             <a:schemeClr val="tx1"/>
           </a:solidFill>
@@ -3007,8 +3092,8 @@
           <a:cs typeface="+mn-cs"/>
         </a:defRPr>
       </a:lvl8pPr>
-      <a:lvl9pPr marL="3657600" algn="l" defTabSz="914400" rtl="0" eaLnBrk="1" latinLnBrk="0" hangingPunct="1">
-        <a:defRPr sz="1800" kern="1200">
+      <a:lvl9pPr marL="4876678" algn="l" defTabSz="1219170" rtl="0" eaLnBrk="1" latinLnBrk="0" hangingPunct="1">
+        <a:defRPr sz="2400" kern="1200">
           <a:solidFill>
             <a:schemeClr val="tx1"/>
           </a:solidFill>
@@ -3051,11 +3136,13 @@
         </p:nvSpPr>
         <p:spPr/>
         <p:txBody>
-          <a:bodyPr/>
-          <a:lstStyle/>
-          <a:p>
-            <a:r>
-              <a:rPr lang="zh-TW" altLang="en-US" b="1" dirty="0">
+          <a:bodyPr>
+            <a:normAutofit/>
+          </a:bodyPr>
+          <a:lstStyle/>
+          <a:p>
+            <a:r>
+              <a:rPr lang="zh-TW" altLang="en-US" sz="4800" b="1" dirty="0">
                 <a:latin typeface="微軟正黑體" pitchFamily="34" charset="-120"/>
                 <a:ea typeface="微軟正黑體" pitchFamily="34" charset="-120"/>
               </a:rPr>
@@ -3074,7 +3161,12 @@
             <p:ph idx="1"/>
           </p:nvPr>
         </p:nvSpPr>
-        <p:spPr/>
+        <p:spPr>
+          <a:xfrm>
+            <a:off x="0" y="1600201"/>
+            <a:ext cx="12192000" cy="4525963"/>
+          </a:xfrm>
+        </p:spPr>
         <p:txBody>
           <a:bodyPr>
             <a:normAutofit/>
@@ -3092,13 +3184,13 @@
               <a:t>耶穌捨身十</a:t>
             </a:r>
             <a:r>
-              <a:rPr lang="zh-TW" altLang="en-US" sz="5400" b="1" dirty="0" smtClean="0">
+              <a:rPr lang="zh-TW" altLang="en-US" sz="5400" b="1" dirty="0">
                 <a:latin typeface="微軟正黑體" pitchFamily="34" charset="-120"/>
                 <a:ea typeface="微軟正黑體" pitchFamily="34" charset="-120"/>
               </a:rPr>
               <a:t>架</a:t>
             </a:r>
-            <a:endParaRPr lang="en-US" altLang="zh-TW" sz="5400" b="1" dirty="0" smtClean="0">
+            <a:endParaRPr lang="en-US" altLang="zh-TW" sz="5400" b="1" dirty="0">
               <a:latin typeface="微軟正黑體" pitchFamily="34" charset="-120"/>
               <a:ea typeface="微軟正黑體" pitchFamily="34" charset="-120"/>
             </a:endParaRPr>
@@ -3115,14 +3207,28 @@
               <a:t>主</a:t>
             </a:r>
             <a:r>
+              <a:rPr lang="zh-CN" altLang="en-US" sz="5400" b="1" dirty="0">
+                <a:latin typeface="微軟正黑體" pitchFamily="34" charset="-120"/>
+                <a:ea typeface="微軟正黑體" pitchFamily="34" charset="-120"/>
+              </a:rPr>
+              <a:t>袮</a:t>
+            </a:r>
+            <a:r>
+              <a:rPr lang="zh-TW" altLang="en-US" sz="5400" b="1" dirty="0" smtClean="0">
+                <a:latin typeface="微軟正黑體" pitchFamily="34" charset="-120"/>
+                <a:ea typeface="微軟正黑體" pitchFamily="34" charset="-120"/>
+              </a:rPr>
+              <a:t>為</a:t>
+            </a:r>
+            <a:r>
               <a:rPr lang="zh-TW" altLang="en-US" sz="5400" b="1" dirty="0">
                 <a:latin typeface="微軟正黑體" pitchFamily="34" charset="-120"/>
                 <a:ea typeface="微軟正黑體" pitchFamily="34" charset="-120"/>
               </a:rPr>
-              <a:t>你為我</a:t>
-            </a:r>
-            <a:r>
-              <a:rPr lang="zh-TW" altLang="en-US" sz="5400" b="1" dirty="0" smtClean="0">
+              <a:t>我</a:t>
+            </a:r>
+            <a:r>
+              <a:rPr lang="zh-TW" altLang="en-US" sz="5400" b="1" dirty="0">
                 <a:latin typeface="微軟正黑體" pitchFamily="34" charset="-120"/>
                 <a:ea typeface="微軟正黑體" pitchFamily="34" charset="-120"/>
               </a:rPr>
@@ -3138,7 +3244,7 @@
               <a:buNone/>
             </a:pPr>
             <a:r>
-              <a:rPr lang="zh-TW" altLang="en-US" sz="5400" b="1" dirty="0" smtClean="0">
+              <a:rPr lang="zh-TW" altLang="en-US" sz="5400" b="1" dirty="0">
                 <a:latin typeface="微軟正黑體" pitchFamily="34" charset="-120"/>
                 <a:ea typeface="微軟正黑體" pitchFamily="34" charset="-120"/>
               </a:rPr>
@@ -3152,13 +3258,13 @@
               <a:t>擔起我的</a:t>
             </a:r>
             <a:r>
-              <a:rPr lang="zh-TW" altLang="en-US" sz="5400" b="1" dirty="0" smtClean="0">
+              <a:rPr lang="zh-TW" altLang="en-US" sz="5400" b="1" dirty="0">
                 <a:latin typeface="微軟正黑體" pitchFamily="34" charset="-120"/>
                 <a:ea typeface="微軟正黑體" pitchFamily="34" charset="-120"/>
               </a:rPr>
               <a:t>憂患</a:t>
             </a:r>
-            <a:endParaRPr lang="en-US" altLang="zh-TW" sz="5400" b="1" dirty="0" smtClean="0">
+            <a:endParaRPr lang="en-US" altLang="zh-TW" sz="5400" b="1" dirty="0">
               <a:latin typeface="微軟正黑體" pitchFamily="34" charset="-120"/>
               <a:ea typeface="微軟正黑體" pitchFamily="34" charset="-120"/>
             </a:endParaRPr>
@@ -3168,7 +3274,7 @@
               <a:buNone/>
             </a:pPr>
             <a:r>
-              <a:rPr lang="zh-TW" altLang="en-US" sz="5400" b="1" dirty="0" smtClean="0">
+              <a:rPr lang="zh-TW" altLang="en-US" sz="5400" b="1" dirty="0">
                 <a:latin typeface="微軟正黑體" pitchFamily="34" charset="-120"/>
                 <a:ea typeface="微軟正黑體" pitchFamily="34" charset="-120"/>
               </a:rPr>
@@ -3182,7 +3288,7 @@
               <a:t>我的</a:t>
             </a:r>
             <a:r>
-              <a:rPr lang="zh-TW" altLang="en-US" sz="5400" b="1" dirty="0" smtClean="0">
+              <a:rPr lang="zh-TW" altLang="en-US" sz="5400" b="1" dirty="0">
                 <a:latin typeface="微軟正黑體" pitchFamily="34" charset="-120"/>
                 <a:ea typeface="微軟正黑體" pitchFamily="34" charset="-120"/>
               </a:rPr>
@@ -3232,11 +3338,13 @@
         </p:nvSpPr>
         <p:spPr/>
         <p:txBody>
-          <a:bodyPr/>
-          <a:lstStyle/>
-          <a:p>
-            <a:r>
-              <a:rPr lang="zh-TW" altLang="en-US" b="1" dirty="0">
+          <a:bodyPr>
+            <a:normAutofit/>
+          </a:bodyPr>
+          <a:lstStyle/>
+          <a:p>
+            <a:r>
+              <a:rPr lang="zh-TW" altLang="en-US" sz="4800" b="1" dirty="0">
                 <a:latin typeface="微軟正黑體" pitchFamily="34" charset="-120"/>
                 <a:ea typeface="微軟正黑體" pitchFamily="34" charset="-120"/>
               </a:rPr>
@@ -3257,8 +3365,8 @@
         </p:nvSpPr>
         <p:spPr>
           <a:xfrm>
-            <a:off x="457200" y="1600200"/>
-            <a:ext cx="8686800" cy="4525963"/>
+            <a:off x="0" y="1600201"/>
+            <a:ext cx="12192000" cy="4525963"/>
           </a:xfrm>
         </p:spPr>
         <p:txBody>
@@ -3365,11 +3473,13 @@
         </p:nvSpPr>
         <p:spPr/>
         <p:txBody>
-          <a:bodyPr/>
-          <a:lstStyle/>
-          <a:p>
-            <a:r>
-              <a:rPr lang="zh-TW" altLang="en-US" b="1" dirty="0">
+          <a:bodyPr>
+            <a:normAutofit/>
+          </a:bodyPr>
+          <a:lstStyle/>
+          <a:p>
+            <a:r>
+              <a:rPr lang="zh-TW" altLang="en-US" sz="4800" b="1" dirty="0">
                 <a:latin typeface="微軟正黑體" pitchFamily="34" charset="-120"/>
                 <a:ea typeface="微軟正黑體" pitchFamily="34" charset="-120"/>
               </a:rPr>
@@ -3390,8 +3500,8 @@
         </p:nvSpPr>
         <p:spPr>
           <a:xfrm>
-            <a:off x="457200" y="1600200"/>
-            <a:ext cx="8686800" cy="4525963"/>
+            <a:off x="-96688" y="1600201"/>
+            <a:ext cx="12288688" cy="4525963"/>
           </a:xfrm>
         </p:spPr>
         <p:txBody>
@@ -3403,12 +3513,26 @@
             <a:pPr algn="ctr">
               <a:buNone/>
             </a:pPr>
+            <a:r>
+              <a:rPr lang="zh-CN" altLang="en-US" sz="5400" b="1" dirty="0">
+                <a:latin typeface="微軟正黑體" pitchFamily="34" charset="-120"/>
+                <a:ea typeface="微軟正黑體" pitchFamily="34" charset="-120"/>
+              </a:rPr>
+              <a:t>袮</a:t>
+            </a:r>
+            <a:r>
+              <a:rPr lang="zh-TW" altLang="en-US" sz="5400" b="1" dirty="0" smtClean="0">
+                <a:latin typeface="微軟正黑體" pitchFamily="34" charset="-120"/>
+                <a:ea typeface="微軟正黑體" pitchFamily="34" charset="-120"/>
+              </a:rPr>
+              <a:t>被</a:t>
+            </a:r>
             <a:r>
               <a:rPr lang="zh-TW" altLang="en-US" sz="5400" b="1" dirty="0">
                 <a:latin typeface="微軟正黑體" pitchFamily="34" charset="-120"/>
                 <a:ea typeface="微軟正黑體" pitchFamily="34" charset="-120"/>
               </a:rPr>
-              <a:t>你被世人離棄凌辱</a:t>
+              <a:t>世人離棄凌辱</a:t>
             </a:r>
             <a:endParaRPr lang="en-US" altLang="zh-TW" sz="5400" b="1" dirty="0">
               <a:latin typeface="微軟正黑體" pitchFamily="34" charset="-120"/>
@@ -3498,11 +3622,13 @@
         </p:nvSpPr>
         <p:spPr/>
         <p:txBody>
-          <a:bodyPr/>
-          <a:lstStyle/>
-          <a:p>
-            <a:r>
-              <a:rPr lang="zh-TW" altLang="en-US" b="1" dirty="0">
+          <a:bodyPr>
+            <a:normAutofit/>
+          </a:bodyPr>
+          <a:lstStyle/>
+          <a:p>
+            <a:r>
+              <a:rPr lang="zh-TW" altLang="en-US" sz="4800" b="1" dirty="0">
                 <a:latin typeface="微軟正黑體" pitchFamily="34" charset="-120"/>
                 <a:ea typeface="微軟正黑體" pitchFamily="34" charset="-120"/>
               </a:rPr>
@@ -3523,8 +3649,8 @@
         </p:nvSpPr>
         <p:spPr>
           <a:xfrm>
-            <a:off x="457200" y="1600200"/>
-            <a:ext cx="8686800" cy="4525963"/>
+            <a:off x="0" y="1600201"/>
+            <a:ext cx="12192000" cy="4525963"/>
           </a:xfrm>
         </p:spPr>
         <p:txBody>
@@ -3553,11 +3679,25 @@
               <a:buNone/>
             </a:pPr>
             <a:r>
+              <a:rPr lang="zh-CN" altLang="en-US" sz="5400" b="1" dirty="0">
+                <a:latin typeface="微軟正黑體" pitchFamily="34" charset="-120"/>
+                <a:ea typeface="微軟正黑體" pitchFamily="34" charset="-120"/>
+              </a:rPr>
+              <a:t>袮</a:t>
+            </a:r>
+            <a:r>
+              <a:rPr lang="zh-TW" altLang="en-US" sz="5400" b="1" dirty="0" smtClean="0">
+                <a:latin typeface="微軟正黑體" pitchFamily="34" charset="-120"/>
+                <a:ea typeface="微軟正黑體" pitchFamily="34" charset="-120"/>
+              </a:rPr>
+              <a:t>為</a:t>
+            </a:r>
+            <a:r>
               <a:rPr lang="zh-TW" altLang="en-US" sz="5400" b="1" dirty="0">
                 <a:latin typeface="微軟正黑體" pitchFamily="34" charset="-120"/>
                 <a:ea typeface="微軟正黑體" pitchFamily="34" charset="-120"/>
               </a:rPr>
-              <a:t>你為我的過犯</a:t>
+              <a:t>我的過犯</a:t>
             </a:r>
             <a:endParaRPr lang="en-US" altLang="zh-TW" sz="5400" b="1" dirty="0">
               <a:latin typeface="微軟正黑體" pitchFamily="34" charset="-120"/>
@@ -3631,11 +3771,13 @@
         </p:nvSpPr>
         <p:spPr/>
         <p:txBody>
-          <a:bodyPr/>
-          <a:lstStyle/>
-          <a:p>
-            <a:r>
-              <a:rPr lang="zh-TW" altLang="en-US" b="1" dirty="0">
+          <a:bodyPr>
+            <a:normAutofit/>
+          </a:bodyPr>
+          <a:lstStyle/>
+          <a:p>
+            <a:r>
+              <a:rPr lang="zh-TW" altLang="en-US" sz="4800" b="1" dirty="0">
                 <a:latin typeface="微軟正黑體" pitchFamily="34" charset="-120"/>
                 <a:ea typeface="微軟正黑體" pitchFamily="34" charset="-120"/>
               </a:rPr>
@@ -3656,8 +3798,8 @@
         </p:nvSpPr>
         <p:spPr>
           <a:xfrm>
-            <a:off x="457200" y="1600200"/>
-            <a:ext cx="8686800" cy="4525963"/>
+            <a:off x="0" y="1600201"/>
+            <a:ext cx="12192000" cy="4525963"/>
           </a:xfrm>
         </p:spPr>
         <p:txBody>
@@ -3702,11 +3844,25 @@
               <a:buNone/>
             </a:pPr>
             <a:r>
+              <a:rPr lang="zh-CN" altLang="en-US" sz="5400" b="1" dirty="0">
+                <a:latin typeface="微軟正黑體" pitchFamily="34" charset="-120"/>
+                <a:ea typeface="微軟正黑體" pitchFamily="34" charset="-120"/>
+              </a:rPr>
+              <a:t>袮</a:t>
+            </a:r>
+            <a:r>
+              <a:rPr lang="zh-TW" altLang="en-US" sz="5400" b="1" dirty="0" smtClean="0">
+                <a:latin typeface="微軟正黑體" pitchFamily="34" charset="-120"/>
+                <a:ea typeface="微軟正黑體" pitchFamily="34" charset="-120"/>
+              </a:rPr>
+              <a:t>是</a:t>
+            </a:r>
+            <a:r>
               <a:rPr lang="zh-TW" altLang="en-US" sz="5400" b="1" dirty="0">
                 <a:latin typeface="微軟正黑體" pitchFamily="34" charset="-120"/>
                 <a:ea typeface="微軟正黑體" pitchFamily="34" charset="-120"/>
               </a:rPr>
-              <a:t>你是奴僕君王</a:t>
+              <a:t>奴僕君王</a:t>
             </a:r>
             <a:endParaRPr lang="en-US" altLang="zh-TW" sz="5400" b="1" dirty="0">
               <a:latin typeface="微軟正黑體" pitchFamily="34" charset="-120"/>
@@ -3722,8 +3878,26 @@
                 <a:latin typeface="微軟正黑體" pitchFamily="34" charset="-120"/>
                 <a:ea typeface="微軟正黑體" pitchFamily="34" charset="-120"/>
               </a:rPr>
-              <a:t>權柄尊貴屬你</a:t>
-            </a:r>
+              <a:t>權柄尊貴</a:t>
+            </a:r>
+            <a:r>
+              <a:rPr lang="zh-TW" altLang="en-US" sz="5400" b="1" dirty="0" smtClean="0">
+                <a:latin typeface="微軟正黑體" pitchFamily="34" charset="-120"/>
+                <a:ea typeface="微軟正黑體" pitchFamily="34" charset="-120"/>
+              </a:rPr>
+              <a:t>屬</a:t>
+            </a:r>
+            <a:r>
+              <a:rPr lang="zh-CN" altLang="en-US" sz="5400" b="1" dirty="0">
+                <a:latin typeface="微軟正黑體" pitchFamily="34" charset="-120"/>
+                <a:ea typeface="微軟正黑體" pitchFamily="34" charset="-120"/>
+              </a:rPr>
+              <a:t>袮</a:t>
+            </a:r>
+            <a:endParaRPr lang="zh-TW" altLang="en-US" sz="5400" b="1" dirty="0">
+              <a:latin typeface="微軟正黑體" pitchFamily="34" charset="-120"/>
+              <a:ea typeface="微軟正黑體" pitchFamily="34" charset="-120"/>
+            </a:endParaRPr>
           </a:p>
         </p:txBody>
       </p:sp>
@@ -3736,7 +3910,7 @@
 </file>
 
 <file path=ppt/theme/theme1.xml><?xml version="1.0" encoding="utf-8"?>
-<a:theme xmlns:a="http://schemas.openxmlformats.org/drawingml/2006/main" name="Office 佈景主題">
+<a:theme xmlns:a="http://schemas.openxmlformats.org/drawingml/2006/main" name="Theme1">
   <a:themeElements>
     <a:clrScheme name="Office">
       <a:dk1>
@@ -4015,5 +4189,10 @@
   </a:themeElements>
   <a:objectDefaults/>
   <a:extraClrSchemeLst/>
+  <a:extLst>
+    <a:ext uri="{05A4C25C-085E-4340-85A3-A5531E510DB2}">
+      <thm15:themeFamily xmlns:thm15="http://schemas.microsoft.com/office/thememl/2012/main" name="Theme1" id="{AFC7C034-021A-479F-A5B0-F4AE2AC2A6F8}" vid="{E4B01A5C-7C0B-4AB8-8973-047186F18E30}"/>
+    </a:ext>
+  </a:extLst>
 </a:theme>
 </file>